--- a/ECOANA.pptx
+++ b/ECOANA.pptx
@@ -18,7 +18,11 @@
     <p:sldId id="267" r:id="rId12"/>
     <p:sldId id="268" r:id="rId13"/>
     <p:sldId id="269" r:id="rId14"/>
-    <p:sldId id="264" r:id="rId15"/>
+    <p:sldId id="270" r:id="rId15"/>
+    <p:sldId id="271" r:id="rId16"/>
+    <p:sldId id="272" r:id="rId17"/>
+    <p:sldId id="273" r:id="rId18"/>
+    <p:sldId id="264" r:id="rId19"/>
   </p:sldIdLst>
   <p:sldSz cx="12192000" cy="6858000"/>
   <p:notesSz cx="6858000" cy="9144000"/>
@@ -4166,8 +4170,8 @@
         </p:nvSpPr>
         <p:spPr>
           <a:xfrm>
-            <a:off x="1955800" y="451483"/>
-            <a:ext cx="9359900" cy="1402717"/>
+            <a:off x="1843251" y="216002"/>
+            <a:ext cx="9359900" cy="1061920"/>
           </a:xfrm>
         </p:spPr>
         <p:txBody>
@@ -4205,7 +4209,7 @@
         </p:nvSpPr>
         <p:spPr>
           <a:xfrm>
-            <a:off x="385158" y="792277"/>
+            <a:off x="323409" y="340794"/>
             <a:ext cx="1422400" cy="721127"/>
           </a:xfrm>
           <a:prstGeom prst="rect">
@@ -4262,7 +4266,7 @@
         </p:blipFill>
         <p:spPr>
           <a:xfrm>
-            <a:off x="825624" y="2379217"/>
+            <a:off x="456759" y="2111375"/>
             <a:ext cx="3264782" cy="1740022"/>
           </a:xfrm>
           <a:prstGeom prst="rect">
@@ -4284,8 +4288,8 @@
         </p:nvSpPr>
         <p:spPr>
           <a:xfrm>
-            <a:off x="5326602" y="2233565"/>
-            <a:ext cx="4145872" cy="2585323"/>
+            <a:off x="4801728" y="1892300"/>
+            <a:ext cx="6763524" cy="2585323"/>
           </a:xfrm>
           <a:prstGeom prst="rect">
             <a:avLst/>
@@ -4315,37 +4319,186 @@
             <a:endParaRPr lang="es-MX" dirty="0"/>
           </a:p>
           <a:p>
-            <a:r>
-              <a:rPr lang="es-MX" dirty="0"/>
-              <a:t>1-</a:t>
-            </a:r>
-          </a:p>
-          <a:p>
-            <a:r>
-              <a:rPr lang="es-MX" dirty="0"/>
-              <a:t>2-</a:t>
-            </a:r>
-          </a:p>
-          <a:p>
-            <a:r>
-              <a:rPr lang="es-MX" dirty="0"/>
-              <a:t>3-</a:t>
-            </a:r>
-          </a:p>
-          <a:p>
-            <a:r>
-              <a:rPr lang="es-MX" dirty="0"/>
-              <a:t>4-</a:t>
-            </a:r>
-          </a:p>
-          <a:p>
-            <a:r>
-              <a:rPr lang="es-MX" dirty="0"/>
-              <a:t>5-</a:t>
-            </a:r>
-          </a:p>
-          <a:p>
             <a:endParaRPr lang="es-MX" dirty="0"/>
+          </a:p>
+          <a:p>
+            <a:endParaRPr lang="es-MX" dirty="0"/>
+          </a:p>
+          <a:p>
+            <a:endParaRPr lang="es-MX" dirty="0"/>
+          </a:p>
+          <a:p>
+            <a:endParaRPr lang="es-MX" dirty="0"/>
+          </a:p>
+          <a:p>
+            <a:r>
+              <a:rPr lang="es-MX" dirty="0"/>
+              <a:t>1- Creamos una variable (</a:t>
+            </a:r>
+            <a:r>
+              <a:rPr lang="es-MX" dirty="0" err="1"/>
+              <a:t>modelNac</a:t>
+            </a:r>
+            <a:r>
+              <a:rPr lang="es-MX" dirty="0"/>
+              <a:t>) que contiene el </a:t>
+            </a:r>
+            <a:r>
+              <a:rPr lang="es-MX" b="1" dirty="0"/>
+              <a:t>modelo</a:t>
+            </a:r>
+            <a:r>
+              <a:rPr lang="es-MX" dirty="0"/>
+              <a:t> de fechas para </a:t>
+            </a:r>
+            <a:r>
+              <a:rPr lang="es-MX" dirty="0" err="1"/>
+              <a:t>Jspiners</a:t>
+            </a:r>
+            <a:r>
+              <a:rPr lang="es-MX" dirty="0"/>
+              <a:t>.</a:t>
+            </a:r>
+          </a:p>
+          <a:p>
+            <a:endParaRPr lang="es-MX" dirty="0"/>
+          </a:p>
+        </p:txBody>
+      </p:sp>
+      <p:pic>
+        <p:nvPicPr>
+          <p:cNvPr id="9" name="Imagen 8">
+            <a:extLst>
+              <a:ext uri="{FF2B5EF4-FFF2-40B4-BE49-F238E27FC236}">
+                <a16:creationId xmlns:a16="http://schemas.microsoft.com/office/drawing/2014/main" id="{34B8E9DA-1354-816D-0254-E3129229746B}"/>
+              </a:ext>
+            </a:extLst>
+          </p:cNvPr>
+          <p:cNvPicPr>
+            <a:picLocks noChangeAspect="1"/>
+          </p:cNvPicPr>
+          <p:nvPr/>
+        </p:nvPicPr>
+        <p:blipFill>
+          <a:blip r:embed="rId3"/>
+          <a:stretch>
+            <a:fillRect/>
+          </a:stretch>
+        </p:blipFill>
+        <p:spPr>
+          <a:xfrm>
+            <a:off x="4057650" y="2310880"/>
+            <a:ext cx="8185150" cy="1061920"/>
+          </a:xfrm>
+          <a:prstGeom prst="rect">
+            <a:avLst/>
+          </a:prstGeom>
+        </p:spPr>
+      </p:pic>
+      <p:sp>
+        <p:nvSpPr>
+          <p:cNvPr id="12" name="Título 1">
+            <a:extLst>
+              <a:ext uri="{FF2B5EF4-FFF2-40B4-BE49-F238E27FC236}">
+                <a16:creationId xmlns:a16="http://schemas.microsoft.com/office/drawing/2014/main" id="{52543553-D3C7-712C-41B9-409816DDC1DB}"/>
+              </a:ext>
+            </a:extLst>
+          </p:cNvPr>
+          <p:cNvSpPr txBox="1">
+            <a:spLocks/>
+          </p:cNvSpPr>
+          <p:nvPr/>
+        </p:nvSpPr>
+        <p:spPr>
+          <a:xfrm>
+            <a:off x="6523201" y="1549380"/>
+            <a:ext cx="2147724" cy="394935"/>
+          </a:xfrm>
+          <a:prstGeom prst="rect">
+            <a:avLst/>
+          </a:prstGeom>
+        </p:spPr>
+        <p:txBody>
+          <a:bodyPr vert="horz" lIns="91440" tIns="45720" rIns="91440" bIns="45720" rtlCol="0" anchor="ctr">
+            <a:normAutofit/>
+          </a:bodyPr>
+          <a:lstStyle>
+            <a:lvl1pPr algn="l" defTabSz="914400" rtl="0" eaLnBrk="1" latinLnBrk="0" hangingPunct="1">
+              <a:lnSpc>
+                <a:spcPct val="90000"/>
+              </a:lnSpc>
+              <a:spcBef>
+                <a:spcPct val="0"/>
+              </a:spcBef>
+              <a:buNone/>
+              <a:defRPr sz="4400" kern="1200">
+                <a:solidFill>
+                  <a:schemeClr val="tx1"/>
+                </a:solidFill>
+                <a:latin typeface="+mj-lt"/>
+                <a:ea typeface="+mj-ea"/>
+                <a:cs typeface="+mj-cs"/>
+              </a:defRPr>
+            </a:lvl1pPr>
+          </a:lstStyle>
+          <a:p>
+            <a:pPr algn="ctr"/>
+            <a:r>
+              <a:rPr lang="es-MX" sz="2000" b="1" dirty="0"/>
+              <a:t>INVESTIGACIÓN:</a:t>
+            </a:r>
+          </a:p>
+        </p:txBody>
+      </p:sp>
+      <p:sp>
+        <p:nvSpPr>
+          <p:cNvPr id="13" name="Rectángulo 12">
+            <a:extLst>
+              <a:ext uri="{FF2B5EF4-FFF2-40B4-BE49-F238E27FC236}">
+                <a16:creationId xmlns:a16="http://schemas.microsoft.com/office/drawing/2014/main" id="{2264D55A-8AF1-AECB-A3F5-42DA408B0451}"/>
+              </a:ext>
+            </a:extLst>
+          </p:cNvPr>
+          <p:cNvSpPr/>
+          <p:nvPr/>
+        </p:nvSpPr>
+        <p:spPr>
+          <a:xfrm>
+            <a:off x="4057650" y="2228850"/>
+            <a:ext cx="4752975" cy="394935"/>
+          </a:xfrm>
+          <a:prstGeom prst="rect">
+            <a:avLst/>
+          </a:prstGeom>
+          <a:noFill/>
+          <a:ln w="38100">
+            <a:solidFill>
+              <a:srgbClr val="FF0000"/>
+            </a:solidFill>
+          </a:ln>
+        </p:spPr>
+        <p:style>
+          <a:lnRef idx="2">
+            <a:schemeClr val="accent1">
+              <a:shade val="15000"/>
+            </a:schemeClr>
+          </a:lnRef>
+          <a:fillRef idx="1">
+            <a:schemeClr val="accent1"/>
+          </a:fillRef>
+          <a:effectRef idx="0">
+            <a:schemeClr val="accent1"/>
+          </a:effectRef>
+          <a:fontRef idx="minor">
+            <a:schemeClr val="lt1"/>
+          </a:fontRef>
+        </p:style>
+        <p:txBody>
+          <a:bodyPr rtlCol="0" anchor="ctr"/>
+          <a:lstStyle/>
+          <a:p>
+            <a:pPr algn="ctr"/>
+            <a:endParaRPr lang="es-CR"/>
           </a:p>
         </p:txBody>
       </p:sp>
@@ -4363,6 +4516,1527 @@
 </file>
 
 <file path=ppt/slides/slide14.xml><?xml version="1.0" encoding="utf-8"?>
+<p:sld xmlns:a="http://schemas.openxmlformats.org/drawingml/2006/main" xmlns:r="http://schemas.openxmlformats.org/officeDocument/2006/relationships" xmlns:p="http://schemas.openxmlformats.org/presentationml/2006/main">
+  <p:cSld>
+    <p:spTree>
+      <p:nvGrpSpPr>
+        <p:cNvPr id="1" name="">
+          <a:extLst>
+            <a:ext uri="{FF2B5EF4-FFF2-40B4-BE49-F238E27FC236}">
+              <a16:creationId xmlns:a16="http://schemas.microsoft.com/office/drawing/2014/main" id="{6DFC73EC-58DC-B944-EC06-0F638CA9E57F}"/>
+            </a:ext>
+          </a:extLst>
+        </p:cNvPr>
+        <p:cNvGrpSpPr/>
+        <p:nvPr/>
+      </p:nvGrpSpPr>
+      <p:grpSpPr>
+        <a:xfrm>
+          <a:off x="0" y="0"/>
+          <a:ext cx="0" cy="0"/>
+          <a:chOff x="0" y="0"/>
+          <a:chExt cx="0" cy="0"/>
+        </a:xfrm>
+      </p:grpSpPr>
+      <p:sp>
+        <p:nvSpPr>
+          <p:cNvPr id="2" name="Título 1">
+            <a:extLst>
+              <a:ext uri="{FF2B5EF4-FFF2-40B4-BE49-F238E27FC236}">
+                <a16:creationId xmlns:a16="http://schemas.microsoft.com/office/drawing/2014/main" id="{CCCFA773-E08A-0119-F2A0-F8622DBF9B52}"/>
+              </a:ext>
+            </a:extLst>
+          </p:cNvPr>
+          <p:cNvSpPr>
+            <a:spLocks noGrp="1"/>
+          </p:cNvSpPr>
+          <p:nvPr>
+            <p:ph type="title"/>
+          </p:nvPr>
+        </p:nvSpPr>
+        <p:spPr>
+          <a:xfrm>
+            <a:off x="1843251" y="216002"/>
+            <a:ext cx="9359900" cy="1061920"/>
+          </a:xfrm>
+        </p:spPr>
+        <p:txBody>
+          <a:bodyPr>
+            <a:normAutofit/>
+          </a:bodyPr>
+          <a:lstStyle/>
+          <a:p>
+            <a:r>
+              <a:rPr lang="es-MX" dirty="0"/>
+              <a:t>Formulario de Reserva (</a:t>
+            </a:r>
+            <a:r>
+              <a:rPr lang="es-MX" dirty="0" err="1"/>
+              <a:t>Jframe</a:t>
+            </a:r>
+            <a:r>
+              <a:rPr lang="es-MX" dirty="0"/>
+              <a:t>): </a:t>
+            </a:r>
+          </a:p>
+        </p:txBody>
+      </p:sp>
+      <p:sp>
+        <p:nvSpPr>
+          <p:cNvPr id="3" name="Rectángulo 2">
+            <a:extLst>
+              <a:ext uri="{FF2B5EF4-FFF2-40B4-BE49-F238E27FC236}">
+                <a16:creationId xmlns:a16="http://schemas.microsoft.com/office/drawing/2014/main" id="{F5F3711C-BBC0-2089-9B08-D917EE344699}"/>
+              </a:ext>
+            </a:extLst>
+          </p:cNvPr>
+          <p:cNvSpPr/>
+          <p:nvPr/>
+        </p:nvSpPr>
+        <p:spPr>
+          <a:xfrm>
+            <a:off x="323409" y="340794"/>
+            <a:ext cx="1422400" cy="721127"/>
+          </a:xfrm>
+          <a:prstGeom prst="rect">
+            <a:avLst/>
+          </a:prstGeom>
+        </p:spPr>
+        <p:style>
+          <a:lnRef idx="2">
+            <a:schemeClr val="accent1">
+              <a:shade val="15000"/>
+            </a:schemeClr>
+          </a:lnRef>
+          <a:fillRef idx="1">
+            <a:schemeClr val="accent1"/>
+          </a:fillRef>
+          <a:effectRef idx="0">
+            <a:schemeClr val="accent1"/>
+          </a:effectRef>
+          <a:fontRef idx="minor">
+            <a:schemeClr val="lt1"/>
+          </a:fontRef>
+        </p:style>
+        <p:txBody>
+          <a:bodyPr rtlCol="0" anchor="ctr"/>
+          <a:lstStyle/>
+          <a:p>
+            <a:pPr algn="ctr"/>
+            <a:r>
+              <a:rPr lang="es-MX" dirty="0"/>
+              <a:t>1-Solicitud de Reserva</a:t>
+            </a:r>
+            <a:endParaRPr lang="es-CR" dirty="0"/>
+          </a:p>
+        </p:txBody>
+      </p:sp>
+      <p:pic>
+        <p:nvPicPr>
+          <p:cNvPr id="6" name="Imagen 5">
+            <a:extLst>
+              <a:ext uri="{FF2B5EF4-FFF2-40B4-BE49-F238E27FC236}">
+                <a16:creationId xmlns:a16="http://schemas.microsoft.com/office/drawing/2014/main" id="{3FBCFC80-25C1-E143-3AAB-E6BAF7D92D0A}"/>
+              </a:ext>
+            </a:extLst>
+          </p:cNvPr>
+          <p:cNvPicPr>
+            <a:picLocks noChangeAspect="1"/>
+          </p:cNvPicPr>
+          <p:nvPr/>
+        </p:nvPicPr>
+        <p:blipFill>
+          <a:blip r:embed="rId2"/>
+          <a:srcRect l="5838" t="46392" r="62987" b="35325"/>
+          <a:stretch/>
+        </p:blipFill>
+        <p:spPr>
+          <a:xfrm>
+            <a:off x="456759" y="2111375"/>
+            <a:ext cx="3264782" cy="1740022"/>
+          </a:xfrm>
+          <a:prstGeom prst="rect">
+            <a:avLst/>
+          </a:prstGeom>
+        </p:spPr>
+      </p:pic>
+      <p:sp>
+        <p:nvSpPr>
+          <p:cNvPr id="4" name="CuadroTexto 3">
+            <a:extLst>
+              <a:ext uri="{FF2B5EF4-FFF2-40B4-BE49-F238E27FC236}">
+                <a16:creationId xmlns:a16="http://schemas.microsoft.com/office/drawing/2014/main" id="{1FFFFDA0-681C-0DAA-B914-FAD381C4C6BC}"/>
+              </a:ext>
+            </a:extLst>
+          </p:cNvPr>
+          <p:cNvSpPr txBox="1"/>
+          <p:nvPr/>
+        </p:nvSpPr>
+        <p:spPr>
+          <a:xfrm>
+            <a:off x="4801728" y="1892300"/>
+            <a:ext cx="7180722" cy="2308324"/>
+          </a:xfrm>
+          <a:prstGeom prst="rect">
+            <a:avLst/>
+          </a:prstGeom>
+          <a:noFill/>
+        </p:spPr>
+        <p:txBody>
+          <a:bodyPr wrap="square" rtlCol="0">
+            <a:spAutoFit/>
+          </a:bodyPr>
+          <a:lstStyle/>
+          <a:p>
+            <a:r>
+              <a:rPr lang="es-MX" dirty="0"/>
+              <a:t>Utilizamos </a:t>
+            </a:r>
+            <a:r>
+              <a:rPr lang="es-MX" dirty="0" err="1"/>
+              <a:t>Jspinner</a:t>
+            </a:r>
+            <a:r>
+              <a:rPr lang="es-MX" dirty="0"/>
+              <a:t> para fechas, siguiendo el siguiente proceso:</a:t>
+            </a:r>
+          </a:p>
+          <a:p>
+            <a:endParaRPr lang="es-MX" dirty="0"/>
+          </a:p>
+          <a:p>
+            <a:endParaRPr lang="es-MX" dirty="0"/>
+          </a:p>
+          <a:p>
+            <a:endParaRPr lang="es-MX" dirty="0"/>
+          </a:p>
+          <a:p>
+            <a:endParaRPr lang="es-MX" dirty="0"/>
+          </a:p>
+          <a:p>
+            <a:endParaRPr lang="es-MX" dirty="0"/>
+          </a:p>
+          <a:p>
+            <a:r>
+              <a:rPr lang="es-MX" dirty="0"/>
+              <a:t>2- Asignamos la variable (</a:t>
+            </a:r>
+            <a:r>
+              <a:rPr lang="es-MX" dirty="0" err="1"/>
+              <a:t>modelNac</a:t>
+            </a:r>
+            <a:r>
+              <a:rPr lang="es-MX" dirty="0"/>
+              <a:t>) al </a:t>
+            </a:r>
+            <a:r>
+              <a:rPr lang="es-MX" dirty="0" err="1"/>
+              <a:t>Jspiner</a:t>
+            </a:r>
+            <a:r>
+              <a:rPr lang="es-MX" dirty="0"/>
+              <a:t> (</a:t>
+            </a:r>
+            <a:r>
+              <a:rPr lang="es-MX" dirty="0" err="1"/>
+              <a:t>spnFechaNacimiento</a:t>
+            </a:r>
+            <a:r>
+              <a:rPr lang="es-MX" dirty="0"/>
+              <a:t>)  que pusimos en el </a:t>
+            </a:r>
+            <a:r>
+              <a:rPr lang="es-MX" dirty="0" err="1"/>
+              <a:t>Jframe</a:t>
+            </a:r>
+            <a:r>
+              <a:rPr lang="es-MX" dirty="0"/>
+              <a:t>.</a:t>
+            </a:r>
+          </a:p>
+        </p:txBody>
+      </p:sp>
+      <p:pic>
+        <p:nvPicPr>
+          <p:cNvPr id="9" name="Imagen 8">
+            <a:extLst>
+              <a:ext uri="{FF2B5EF4-FFF2-40B4-BE49-F238E27FC236}">
+                <a16:creationId xmlns:a16="http://schemas.microsoft.com/office/drawing/2014/main" id="{74F60C14-95FF-AADB-500A-A8F0551C941E}"/>
+              </a:ext>
+            </a:extLst>
+          </p:cNvPr>
+          <p:cNvPicPr>
+            <a:picLocks noChangeAspect="1"/>
+          </p:cNvPicPr>
+          <p:nvPr/>
+        </p:nvPicPr>
+        <p:blipFill>
+          <a:blip r:embed="rId3"/>
+          <a:stretch>
+            <a:fillRect/>
+          </a:stretch>
+        </p:blipFill>
+        <p:spPr>
+          <a:xfrm>
+            <a:off x="4057650" y="2310880"/>
+            <a:ext cx="8185150" cy="1061920"/>
+          </a:xfrm>
+          <a:prstGeom prst="rect">
+            <a:avLst/>
+          </a:prstGeom>
+        </p:spPr>
+      </p:pic>
+      <p:sp>
+        <p:nvSpPr>
+          <p:cNvPr id="12" name="Título 1">
+            <a:extLst>
+              <a:ext uri="{FF2B5EF4-FFF2-40B4-BE49-F238E27FC236}">
+                <a16:creationId xmlns:a16="http://schemas.microsoft.com/office/drawing/2014/main" id="{EC1DDC3C-1329-5B9D-73E9-16E7CC6EDC48}"/>
+              </a:ext>
+            </a:extLst>
+          </p:cNvPr>
+          <p:cNvSpPr txBox="1">
+            <a:spLocks/>
+          </p:cNvSpPr>
+          <p:nvPr/>
+        </p:nvSpPr>
+        <p:spPr>
+          <a:xfrm>
+            <a:off x="6523201" y="1549380"/>
+            <a:ext cx="2147724" cy="394935"/>
+          </a:xfrm>
+          <a:prstGeom prst="rect">
+            <a:avLst/>
+          </a:prstGeom>
+        </p:spPr>
+        <p:txBody>
+          <a:bodyPr vert="horz" lIns="91440" tIns="45720" rIns="91440" bIns="45720" rtlCol="0" anchor="ctr">
+            <a:normAutofit/>
+          </a:bodyPr>
+          <a:lstStyle>
+            <a:lvl1pPr algn="l" defTabSz="914400" rtl="0" eaLnBrk="1" latinLnBrk="0" hangingPunct="1">
+              <a:lnSpc>
+                <a:spcPct val="90000"/>
+              </a:lnSpc>
+              <a:spcBef>
+                <a:spcPct val="0"/>
+              </a:spcBef>
+              <a:buNone/>
+              <a:defRPr sz="4400" kern="1200">
+                <a:solidFill>
+                  <a:schemeClr val="tx1"/>
+                </a:solidFill>
+                <a:latin typeface="+mj-lt"/>
+                <a:ea typeface="+mj-ea"/>
+                <a:cs typeface="+mj-cs"/>
+              </a:defRPr>
+            </a:lvl1pPr>
+          </a:lstStyle>
+          <a:p>
+            <a:pPr algn="ctr"/>
+            <a:r>
+              <a:rPr lang="es-MX" sz="2000" b="1" dirty="0"/>
+              <a:t>INVESTIGACIÓN:</a:t>
+            </a:r>
+          </a:p>
+        </p:txBody>
+      </p:sp>
+      <p:sp>
+        <p:nvSpPr>
+          <p:cNvPr id="13" name="Rectángulo 12">
+            <a:extLst>
+              <a:ext uri="{FF2B5EF4-FFF2-40B4-BE49-F238E27FC236}">
+                <a16:creationId xmlns:a16="http://schemas.microsoft.com/office/drawing/2014/main" id="{3031D59C-8088-2FBE-BFAE-D545E183EE9A}"/>
+              </a:ext>
+            </a:extLst>
+          </p:cNvPr>
+          <p:cNvSpPr/>
+          <p:nvPr/>
+        </p:nvSpPr>
+        <p:spPr>
+          <a:xfrm>
+            <a:off x="4057650" y="2558693"/>
+            <a:ext cx="4752975" cy="316132"/>
+          </a:xfrm>
+          <a:prstGeom prst="rect">
+            <a:avLst/>
+          </a:prstGeom>
+          <a:noFill/>
+          <a:ln w="38100">
+            <a:solidFill>
+              <a:srgbClr val="FF0000"/>
+            </a:solidFill>
+          </a:ln>
+        </p:spPr>
+        <p:style>
+          <a:lnRef idx="2">
+            <a:schemeClr val="accent1">
+              <a:shade val="15000"/>
+            </a:schemeClr>
+          </a:lnRef>
+          <a:fillRef idx="1">
+            <a:schemeClr val="accent1"/>
+          </a:fillRef>
+          <a:effectRef idx="0">
+            <a:schemeClr val="accent1"/>
+          </a:effectRef>
+          <a:fontRef idx="minor">
+            <a:schemeClr val="lt1"/>
+          </a:fontRef>
+        </p:style>
+        <p:txBody>
+          <a:bodyPr rtlCol="0" anchor="ctr"/>
+          <a:lstStyle/>
+          <a:p>
+            <a:pPr algn="ctr"/>
+            <a:endParaRPr lang="es-CR"/>
+          </a:p>
+        </p:txBody>
+      </p:sp>
+    </p:spTree>
+    <p:extLst>
+      <p:ext uri="{BB962C8B-B14F-4D97-AF65-F5344CB8AC3E}">
+        <p14:creationId xmlns:p14="http://schemas.microsoft.com/office/powerpoint/2010/main" val="4267301343"/>
+      </p:ext>
+    </p:extLst>
+  </p:cSld>
+  <p:clrMapOvr>
+    <a:masterClrMapping/>
+  </p:clrMapOvr>
+</p:sld>
+</file>
+
+<file path=ppt/slides/slide15.xml><?xml version="1.0" encoding="utf-8"?>
+<p:sld xmlns:a="http://schemas.openxmlformats.org/drawingml/2006/main" xmlns:r="http://schemas.openxmlformats.org/officeDocument/2006/relationships" xmlns:p="http://schemas.openxmlformats.org/presentationml/2006/main">
+  <p:cSld>
+    <p:spTree>
+      <p:nvGrpSpPr>
+        <p:cNvPr id="1" name="">
+          <a:extLst>
+            <a:ext uri="{FF2B5EF4-FFF2-40B4-BE49-F238E27FC236}">
+              <a16:creationId xmlns:a16="http://schemas.microsoft.com/office/drawing/2014/main" id="{2338794D-E05B-BF19-30FF-286128D59FFB}"/>
+            </a:ext>
+          </a:extLst>
+        </p:cNvPr>
+        <p:cNvGrpSpPr/>
+        <p:nvPr/>
+      </p:nvGrpSpPr>
+      <p:grpSpPr>
+        <a:xfrm>
+          <a:off x="0" y="0"/>
+          <a:ext cx="0" cy="0"/>
+          <a:chOff x="0" y="0"/>
+          <a:chExt cx="0" cy="0"/>
+        </a:xfrm>
+      </p:grpSpPr>
+      <p:sp>
+        <p:nvSpPr>
+          <p:cNvPr id="2" name="Título 1">
+            <a:extLst>
+              <a:ext uri="{FF2B5EF4-FFF2-40B4-BE49-F238E27FC236}">
+                <a16:creationId xmlns:a16="http://schemas.microsoft.com/office/drawing/2014/main" id="{FE0F0E31-0641-57E2-014F-3290FC9873C1}"/>
+              </a:ext>
+            </a:extLst>
+          </p:cNvPr>
+          <p:cNvSpPr>
+            <a:spLocks noGrp="1"/>
+          </p:cNvSpPr>
+          <p:nvPr>
+            <p:ph type="title"/>
+          </p:nvPr>
+        </p:nvSpPr>
+        <p:spPr>
+          <a:xfrm>
+            <a:off x="1843251" y="216002"/>
+            <a:ext cx="9359900" cy="1061920"/>
+          </a:xfrm>
+        </p:spPr>
+        <p:txBody>
+          <a:bodyPr>
+            <a:normAutofit/>
+          </a:bodyPr>
+          <a:lstStyle/>
+          <a:p>
+            <a:r>
+              <a:rPr lang="es-MX" dirty="0"/>
+              <a:t>Formulario de Reserva (</a:t>
+            </a:r>
+            <a:r>
+              <a:rPr lang="es-MX" dirty="0" err="1"/>
+              <a:t>Jframe</a:t>
+            </a:r>
+            <a:r>
+              <a:rPr lang="es-MX" dirty="0"/>
+              <a:t>): </a:t>
+            </a:r>
+          </a:p>
+        </p:txBody>
+      </p:sp>
+      <p:sp>
+        <p:nvSpPr>
+          <p:cNvPr id="3" name="Rectángulo 2">
+            <a:extLst>
+              <a:ext uri="{FF2B5EF4-FFF2-40B4-BE49-F238E27FC236}">
+                <a16:creationId xmlns:a16="http://schemas.microsoft.com/office/drawing/2014/main" id="{D661A87B-2239-33EA-ACE4-D76DBDEC096E}"/>
+              </a:ext>
+            </a:extLst>
+          </p:cNvPr>
+          <p:cNvSpPr/>
+          <p:nvPr/>
+        </p:nvSpPr>
+        <p:spPr>
+          <a:xfrm>
+            <a:off x="323409" y="340794"/>
+            <a:ext cx="1422400" cy="721127"/>
+          </a:xfrm>
+          <a:prstGeom prst="rect">
+            <a:avLst/>
+          </a:prstGeom>
+        </p:spPr>
+        <p:style>
+          <a:lnRef idx="2">
+            <a:schemeClr val="accent1">
+              <a:shade val="15000"/>
+            </a:schemeClr>
+          </a:lnRef>
+          <a:fillRef idx="1">
+            <a:schemeClr val="accent1"/>
+          </a:fillRef>
+          <a:effectRef idx="0">
+            <a:schemeClr val="accent1"/>
+          </a:effectRef>
+          <a:fontRef idx="minor">
+            <a:schemeClr val="lt1"/>
+          </a:fontRef>
+        </p:style>
+        <p:txBody>
+          <a:bodyPr rtlCol="0" anchor="ctr"/>
+          <a:lstStyle/>
+          <a:p>
+            <a:pPr algn="ctr"/>
+            <a:r>
+              <a:rPr lang="es-MX" dirty="0"/>
+              <a:t>1-Solicitud de Reserva</a:t>
+            </a:r>
+            <a:endParaRPr lang="es-CR" dirty="0"/>
+          </a:p>
+        </p:txBody>
+      </p:sp>
+      <p:pic>
+        <p:nvPicPr>
+          <p:cNvPr id="6" name="Imagen 5">
+            <a:extLst>
+              <a:ext uri="{FF2B5EF4-FFF2-40B4-BE49-F238E27FC236}">
+                <a16:creationId xmlns:a16="http://schemas.microsoft.com/office/drawing/2014/main" id="{66601C18-F839-3B1B-87E3-D342D98B0739}"/>
+              </a:ext>
+            </a:extLst>
+          </p:cNvPr>
+          <p:cNvPicPr>
+            <a:picLocks noChangeAspect="1"/>
+          </p:cNvPicPr>
+          <p:nvPr/>
+        </p:nvPicPr>
+        <p:blipFill>
+          <a:blip r:embed="rId2"/>
+          <a:srcRect l="5838" t="46392" r="62987" b="35325"/>
+          <a:stretch/>
+        </p:blipFill>
+        <p:spPr>
+          <a:xfrm>
+            <a:off x="456759" y="2111375"/>
+            <a:ext cx="3264782" cy="1740022"/>
+          </a:xfrm>
+          <a:prstGeom prst="rect">
+            <a:avLst/>
+          </a:prstGeom>
+        </p:spPr>
+      </p:pic>
+      <p:sp>
+        <p:nvSpPr>
+          <p:cNvPr id="4" name="CuadroTexto 3">
+            <a:extLst>
+              <a:ext uri="{FF2B5EF4-FFF2-40B4-BE49-F238E27FC236}">
+                <a16:creationId xmlns:a16="http://schemas.microsoft.com/office/drawing/2014/main" id="{7683C59A-359B-D19A-D148-488F73BDE350}"/>
+              </a:ext>
+            </a:extLst>
+          </p:cNvPr>
+          <p:cNvSpPr txBox="1"/>
+          <p:nvPr/>
+        </p:nvSpPr>
+        <p:spPr>
+          <a:xfrm>
+            <a:off x="4801728" y="1892300"/>
+            <a:ext cx="6763524" cy="2308324"/>
+          </a:xfrm>
+          <a:prstGeom prst="rect">
+            <a:avLst/>
+          </a:prstGeom>
+          <a:noFill/>
+        </p:spPr>
+        <p:txBody>
+          <a:bodyPr wrap="square" rtlCol="0">
+            <a:spAutoFit/>
+          </a:bodyPr>
+          <a:lstStyle/>
+          <a:p>
+            <a:r>
+              <a:rPr lang="es-MX" dirty="0"/>
+              <a:t>Utilizamos </a:t>
+            </a:r>
+            <a:r>
+              <a:rPr lang="es-MX" dirty="0" err="1"/>
+              <a:t>Jspinner</a:t>
+            </a:r>
+            <a:r>
+              <a:rPr lang="es-MX" dirty="0"/>
+              <a:t> para fechas, siguiendo el siguiente proceso:</a:t>
+            </a:r>
+          </a:p>
+          <a:p>
+            <a:endParaRPr lang="es-MX" dirty="0"/>
+          </a:p>
+          <a:p>
+            <a:endParaRPr lang="es-MX" dirty="0"/>
+          </a:p>
+          <a:p>
+            <a:endParaRPr lang="es-MX" dirty="0"/>
+          </a:p>
+          <a:p>
+            <a:endParaRPr lang="es-MX" dirty="0"/>
+          </a:p>
+          <a:p>
+            <a:endParaRPr lang="es-MX" dirty="0"/>
+          </a:p>
+          <a:p>
+            <a:r>
+              <a:rPr lang="es-MX" dirty="0"/>
+              <a:t>3- Creamos una variable (</a:t>
+            </a:r>
+            <a:r>
+              <a:rPr lang="es-MX" dirty="0" err="1"/>
+              <a:t>editorNac</a:t>
+            </a:r>
+            <a:r>
+              <a:rPr lang="es-MX" dirty="0"/>
+              <a:t>) de tipo </a:t>
+            </a:r>
+            <a:r>
+              <a:rPr lang="es-MX" dirty="0" err="1"/>
+              <a:t>JSpinner.DateEditor</a:t>
+            </a:r>
+            <a:r>
+              <a:rPr lang="es-MX" dirty="0"/>
+              <a:t> que contine el formato de fecha que vamos a usar (</a:t>
+            </a:r>
+            <a:r>
+              <a:rPr lang="es-MX" dirty="0" err="1"/>
+              <a:t>yyy</a:t>
+            </a:r>
+            <a:r>
+              <a:rPr lang="es-MX" dirty="0"/>
+              <a:t>-MM-</a:t>
+            </a:r>
+            <a:r>
+              <a:rPr lang="es-MX" dirty="0" err="1"/>
+              <a:t>dd</a:t>
+            </a:r>
+            <a:r>
+              <a:rPr lang="es-MX" dirty="0"/>
+              <a:t>).</a:t>
+            </a:r>
+          </a:p>
+        </p:txBody>
+      </p:sp>
+      <p:pic>
+        <p:nvPicPr>
+          <p:cNvPr id="9" name="Imagen 8">
+            <a:extLst>
+              <a:ext uri="{FF2B5EF4-FFF2-40B4-BE49-F238E27FC236}">
+                <a16:creationId xmlns:a16="http://schemas.microsoft.com/office/drawing/2014/main" id="{5132127C-EBC7-7AC4-7321-3E08F66E1B62}"/>
+              </a:ext>
+            </a:extLst>
+          </p:cNvPr>
+          <p:cNvPicPr>
+            <a:picLocks noChangeAspect="1"/>
+          </p:cNvPicPr>
+          <p:nvPr/>
+        </p:nvPicPr>
+        <p:blipFill>
+          <a:blip r:embed="rId3"/>
+          <a:stretch>
+            <a:fillRect/>
+          </a:stretch>
+        </p:blipFill>
+        <p:spPr>
+          <a:xfrm>
+            <a:off x="4057650" y="2310880"/>
+            <a:ext cx="8185150" cy="1061920"/>
+          </a:xfrm>
+          <a:prstGeom prst="rect">
+            <a:avLst/>
+          </a:prstGeom>
+        </p:spPr>
+      </p:pic>
+      <p:sp>
+        <p:nvSpPr>
+          <p:cNvPr id="12" name="Título 1">
+            <a:extLst>
+              <a:ext uri="{FF2B5EF4-FFF2-40B4-BE49-F238E27FC236}">
+                <a16:creationId xmlns:a16="http://schemas.microsoft.com/office/drawing/2014/main" id="{A8E198B6-76E1-6479-3D01-D60417A8FA38}"/>
+              </a:ext>
+            </a:extLst>
+          </p:cNvPr>
+          <p:cNvSpPr txBox="1">
+            <a:spLocks/>
+          </p:cNvSpPr>
+          <p:nvPr/>
+        </p:nvSpPr>
+        <p:spPr>
+          <a:xfrm>
+            <a:off x="6523201" y="1549380"/>
+            <a:ext cx="2147724" cy="394935"/>
+          </a:xfrm>
+          <a:prstGeom prst="rect">
+            <a:avLst/>
+          </a:prstGeom>
+        </p:spPr>
+        <p:txBody>
+          <a:bodyPr vert="horz" lIns="91440" tIns="45720" rIns="91440" bIns="45720" rtlCol="0" anchor="ctr">
+            <a:normAutofit/>
+          </a:bodyPr>
+          <a:lstStyle>
+            <a:lvl1pPr algn="l" defTabSz="914400" rtl="0" eaLnBrk="1" latinLnBrk="0" hangingPunct="1">
+              <a:lnSpc>
+                <a:spcPct val="90000"/>
+              </a:lnSpc>
+              <a:spcBef>
+                <a:spcPct val="0"/>
+              </a:spcBef>
+              <a:buNone/>
+              <a:defRPr sz="4400" kern="1200">
+                <a:solidFill>
+                  <a:schemeClr val="tx1"/>
+                </a:solidFill>
+                <a:latin typeface="+mj-lt"/>
+                <a:ea typeface="+mj-ea"/>
+                <a:cs typeface="+mj-cs"/>
+              </a:defRPr>
+            </a:lvl1pPr>
+          </a:lstStyle>
+          <a:p>
+            <a:pPr algn="ctr"/>
+            <a:r>
+              <a:rPr lang="es-MX" sz="2000" b="1" dirty="0"/>
+              <a:t>INVESTIGACIÓN:</a:t>
+            </a:r>
+          </a:p>
+        </p:txBody>
+      </p:sp>
+      <p:sp>
+        <p:nvSpPr>
+          <p:cNvPr id="13" name="Rectángulo 12">
+            <a:extLst>
+              <a:ext uri="{FF2B5EF4-FFF2-40B4-BE49-F238E27FC236}">
+                <a16:creationId xmlns:a16="http://schemas.microsoft.com/office/drawing/2014/main" id="{89EF7C6B-1274-124C-42C4-6F14DF45C9E0}"/>
+              </a:ext>
+            </a:extLst>
+          </p:cNvPr>
+          <p:cNvSpPr/>
+          <p:nvPr/>
+        </p:nvSpPr>
+        <p:spPr>
+          <a:xfrm>
+            <a:off x="4057650" y="2819207"/>
+            <a:ext cx="8134350" cy="316132"/>
+          </a:xfrm>
+          <a:prstGeom prst="rect">
+            <a:avLst/>
+          </a:prstGeom>
+          <a:noFill/>
+          <a:ln w="38100">
+            <a:solidFill>
+              <a:srgbClr val="FF0000"/>
+            </a:solidFill>
+          </a:ln>
+        </p:spPr>
+        <p:style>
+          <a:lnRef idx="2">
+            <a:schemeClr val="accent1">
+              <a:shade val="15000"/>
+            </a:schemeClr>
+          </a:lnRef>
+          <a:fillRef idx="1">
+            <a:schemeClr val="accent1"/>
+          </a:fillRef>
+          <a:effectRef idx="0">
+            <a:schemeClr val="accent1"/>
+          </a:effectRef>
+          <a:fontRef idx="minor">
+            <a:schemeClr val="lt1"/>
+          </a:fontRef>
+        </p:style>
+        <p:txBody>
+          <a:bodyPr rtlCol="0" anchor="ctr"/>
+          <a:lstStyle/>
+          <a:p>
+            <a:pPr algn="ctr"/>
+            <a:endParaRPr lang="es-CR"/>
+          </a:p>
+        </p:txBody>
+      </p:sp>
+    </p:spTree>
+    <p:extLst>
+      <p:ext uri="{BB962C8B-B14F-4D97-AF65-F5344CB8AC3E}">
+        <p14:creationId xmlns:p14="http://schemas.microsoft.com/office/powerpoint/2010/main" val="2413106120"/>
+      </p:ext>
+    </p:extLst>
+  </p:cSld>
+  <p:clrMapOvr>
+    <a:masterClrMapping/>
+  </p:clrMapOvr>
+</p:sld>
+</file>
+
+<file path=ppt/slides/slide16.xml><?xml version="1.0" encoding="utf-8"?>
+<p:sld xmlns:a="http://schemas.openxmlformats.org/drawingml/2006/main" xmlns:r="http://schemas.openxmlformats.org/officeDocument/2006/relationships" xmlns:p="http://schemas.openxmlformats.org/presentationml/2006/main">
+  <p:cSld>
+    <p:spTree>
+      <p:nvGrpSpPr>
+        <p:cNvPr id="1" name="">
+          <a:extLst>
+            <a:ext uri="{FF2B5EF4-FFF2-40B4-BE49-F238E27FC236}">
+              <a16:creationId xmlns:a16="http://schemas.microsoft.com/office/drawing/2014/main" id="{F0AC9941-6E3E-D453-1F70-D4D3F4B47224}"/>
+            </a:ext>
+          </a:extLst>
+        </p:cNvPr>
+        <p:cNvGrpSpPr/>
+        <p:nvPr/>
+      </p:nvGrpSpPr>
+      <p:grpSpPr>
+        <a:xfrm>
+          <a:off x="0" y="0"/>
+          <a:ext cx="0" cy="0"/>
+          <a:chOff x="0" y="0"/>
+          <a:chExt cx="0" cy="0"/>
+        </a:xfrm>
+      </p:grpSpPr>
+      <p:sp>
+        <p:nvSpPr>
+          <p:cNvPr id="2" name="Título 1">
+            <a:extLst>
+              <a:ext uri="{FF2B5EF4-FFF2-40B4-BE49-F238E27FC236}">
+                <a16:creationId xmlns:a16="http://schemas.microsoft.com/office/drawing/2014/main" id="{63CD691E-43FF-3051-1B45-111E0BA35605}"/>
+              </a:ext>
+            </a:extLst>
+          </p:cNvPr>
+          <p:cNvSpPr>
+            <a:spLocks noGrp="1"/>
+          </p:cNvSpPr>
+          <p:nvPr>
+            <p:ph type="title"/>
+          </p:nvPr>
+        </p:nvSpPr>
+        <p:spPr>
+          <a:xfrm>
+            <a:off x="1843251" y="216002"/>
+            <a:ext cx="9359900" cy="1061920"/>
+          </a:xfrm>
+        </p:spPr>
+        <p:txBody>
+          <a:bodyPr>
+            <a:normAutofit/>
+          </a:bodyPr>
+          <a:lstStyle/>
+          <a:p>
+            <a:r>
+              <a:rPr lang="es-MX" dirty="0"/>
+              <a:t>Formulario de Reserva (</a:t>
+            </a:r>
+            <a:r>
+              <a:rPr lang="es-MX" dirty="0" err="1"/>
+              <a:t>Jframe</a:t>
+            </a:r>
+            <a:r>
+              <a:rPr lang="es-MX" dirty="0"/>
+              <a:t>): </a:t>
+            </a:r>
+          </a:p>
+        </p:txBody>
+      </p:sp>
+      <p:sp>
+        <p:nvSpPr>
+          <p:cNvPr id="3" name="Rectángulo 2">
+            <a:extLst>
+              <a:ext uri="{FF2B5EF4-FFF2-40B4-BE49-F238E27FC236}">
+                <a16:creationId xmlns:a16="http://schemas.microsoft.com/office/drawing/2014/main" id="{E0DF746B-127F-EAE3-B90B-18664E8CF5E8}"/>
+              </a:ext>
+            </a:extLst>
+          </p:cNvPr>
+          <p:cNvSpPr/>
+          <p:nvPr/>
+        </p:nvSpPr>
+        <p:spPr>
+          <a:xfrm>
+            <a:off x="323409" y="340794"/>
+            <a:ext cx="1422400" cy="721127"/>
+          </a:xfrm>
+          <a:prstGeom prst="rect">
+            <a:avLst/>
+          </a:prstGeom>
+        </p:spPr>
+        <p:style>
+          <a:lnRef idx="2">
+            <a:schemeClr val="accent1">
+              <a:shade val="15000"/>
+            </a:schemeClr>
+          </a:lnRef>
+          <a:fillRef idx="1">
+            <a:schemeClr val="accent1"/>
+          </a:fillRef>
+          <a:effectRef idx="0">
+            <a:schemeClr val="accent1"/>
+          </a:effectRef>
+          <a:fontRef idx="minor">
+            <a:schemeClr val="lt1"/>
+          </a:fontRef>
+        </p:style>
+        <p:txBody>
+          <a:bodyPr rtlCol="0" anchor="ctr"/>
+          <a:lstStyle/>
+          <a:p>
+            <a:pPr algn="ctr"/>
+            <a:r>
+              <a:rPr lang="es-MX" dirty="0"/>
+              <a:t>1-Solicitud de Reserva</a:t>
+            </a:r>
+            <a:endParaRPr lang="es-CR" dirty="0"/>
+          </a:p>
+        </p:txBody>
+      </p:sp>
+      <p:pic>
+        <p:nvPicPr>
+          <p:cNvPr id="6" name="Imagen 5">
+            <a:extLst>
+              <a:ext uri="{FF2B5EF4-FFF2-40B4-BE49-F238E27FC236}">
+                <a16:creationId xmlns:a16="http://schemas.microsoft.com/office/drawing/2014/main" id="{72865DDF-AD1D-25AA-864B-A984DE7BE609}"/>
+              </a:ext>
+            </a:extLst>
+          </p:cNvPr>
+          <p:cNvPicPr>
+            <a:picLocks noChangeAspect="1"/>
+          </p:cNvPicPr>
+          <p:nvPr/>
+        </p:nvPicPr>
+        <p:blipFill>
+          <a:blip r:embed="rId2"/>
+          <a:srcRect l="5838" t="46392" r="62987" b="35325"/>
+          <a:stretch/>
+        </p:blipFill>
+        <p:spPr>
+          <a:xfrm>
+            <a:off x="456759" y="2111375"/>
+            <a:ext cx="3264782" cy="1740022"/>
+          </a:xfrm>
+          <a:prstGeom prst="rect">
+            <a:avLst/>
+          </a:prstGeom>
+        </p:spPr>
+      </p:pic>
+      <p:sp>
+        <p:nvSpPr>
+          <p:cNvPr id="4" name="CuadroTexto 3">
+            <a:extLst>
+              <a:ext uri="{FF2B5EF4-FFF2-40B4-BE49-F238E27FC236}">
+                <a16:creationId xmlns:a16="http://schemas.microsoft.com/office/drawing/2014/main" id="{F4247934-2372-202E-9853-802F649AD86F}"/>
+              </a:ext>
+            </a:extLst>
+          </p:cNvPr>
+          <p:cNvSpPr txBox="1"/>
+          <p:nvPr/>
+        </p:nvSpPr>
+        <p:spPr>
+          <a:xfrm>
+            <a:off x="4057649" y="1892300"/>
+            <a:ext cx="7677591" cy="2308324"/>
+          </a:xfrm>
+          <a:prstGeom prst="rect">
+            <a:avLst/>
+          </a:prstGeom>
+          <a:noFill/>
+        </p:spPr>
+        <p:txBody>
+          <a:bodyPr wrap="square" rtlCol="0">
+            <a:spAutoFit/>
+          </a:bodyPr>
+          <a:lstStyle/>
+          <a:p>
+            <a:r>
+              <a:rPr lang="es-MX" dirty="0"/>
+              <a:t>Utilizamos </a:t>
+            </a:r>
+            <a:r>
+              <a:rPr lang="es-MX" dirty="0" err="1"/>
+              <a:t>Jspinner</a:t>
+            </a:r>
+            <a:r>
+              <a:rPr lang="es-MX" dirty="0"/>
+              <a:t> para fechas, siguiendo el siguiente proceso:</a:t>
+            </a:r>
+          </a:p>
+          <a:p>
+            <a:endParaRPr lang="es-MX" dirty="0"/>
+          </a:p>
+          <a:p>
+            <a:endParaRPr lang="es-MX" dirty="0"/>
+          </a:p>
+          <a:p>
+            <a:endParaRPr lang="es-MX" dirty="0"/>
+          </a:p>
+          <a:p>
+            <a:endParaRPr lang="es-MX" dirty="0"/>
+          </a:p>
+          <a:p>
+            <a:endParaRPr lang="es-MX" dirty="0"/>
+          </a:p>
+          <a:p>
+            <a:r>
+              <a:rPr lang="es-MX" dirty="0"/>
+              <a:t>4- Asignamos la variable (</a:t>
+            </a:r>
+            <a:r>
+              <a:rPr lang="es-MX" dirty="0" err="1"/>
+              <a:t>editorNac</a:t>
+            </a:r>
+            <a:r>
+              <a:rPr lang="es-MX" dirty="0"/>
+              <a:t>) al </a:t>
+            </a:r>
+            <a:r>
+              <a:rPr lang="es-MX" dirty="0" err="1"/>
+              <a:t>Jspiner</a:t>
+            </a:r>
+            <a:r>
+              <a:rPr lang="es-MX" dirty="0"/>
+              <a:t> para que muestre la fecha en el formato que establecimos. </a:t>
+            </a:r>
+          </a:p>
+        </p:txBody>
+      </p:sp>
+      <p:pic>
+        <p:nvPicPr>
+          <p:cNvPr id="9" name="Imagen 8">
+            <a:extLst>
+              <a:ext uri="{FF2B5EF4-FFF2-40B4-BE49-F238E27FC236}">
+                <a16:creationId xmlns:a16="http://schemas.microsoft.com/office/drawing/2014/main" id="{587A3680-9D8C-6C3D-F7F1-A7E8DACE0BCE}"/>
+              </a:ext>
+            </a:extLst>
+          </p:cNvPr>
+          <p:cNvPicPr>
+            <a:picLocks noChangeAspect="1"/>
+          </p:cNvPicPr>
+          <p:nvPr/>
+        </p:nvPicPr>
+        <p:blipFill>
+          <a:blip r:embed="rId3"/>
+          <a:stretch>
+            <a:fillRect/>
+          </a:stretch>
+        </p:blipFill>
+        <p:spPr>
+          <a:xfrm>
+            <a:off x="4057650" y="2310880"/>
+            <a:ext cx="8185150" cy="1061920"/>
+          </a:xfrm>
+          <a:prstGeom prst="rect">
+            <a:avLst/>
+          </a:prstGeom>
+        </p:spPr>
+      </p:pic>
+      <p:sp>
+        <p:nvSpPr>
+          <p:cNvPr id="12" name="Título 1">
+            <a:extLst>
+              <a:ext uri="{FF2B5EF4-FFF2-40B4-BE49-F238E27FC236}">
+                <a16:creationId xmlns:a16="http://schemas.microsoft.com/office/drawing/2014/main" id="{6798BECB-A585-5B55-ED06-444245F473FA}"/>
+              </a:ext>
+            </a:extLst>
+          </p:cNvPr>
+          <p:cNvSpPr txBox="1">
+            <a:spLocks/>
+          </p:cNvSpPr>
+          <p:nvPr/>
+        </p:nvSpPr>
+        <p:spPr>
+          <a:xfrm>
+            <a:off x="6523201" y="1549380"/>
+            <a:ext cx="2147724" cy="394935"/>
+          </a:xfrm>
+          <a:prstGeom prst="rect">
+            <a:avLst/>
+          </a:prstGeom>
+        </p:spPr>
+        <p:txBody>
+          <a:bodyPr vert="horz" lIns="91440" tIns="45720" rIns="91440" bIns="45720" rtlCol="0" anchor="ctr">
+            <a:normAutofit/>
+          </a:bodyPr>
+          <a:lstStyle>
+            <a:lvl1pPr algn="l" defTabSz="914400" rtl="0" eaLnBrk="1" latinLnBrk="0" hangingPunct="1">
+              <a:lnSpc>
+                <a:spcPct val="90000"/>
+              </a:lnSpc>
+              <a:spcBef>
+                <a:spcPct val="0"/>
+              </a:spcBef>
+              <a:buNone/>
+              <a:defRPr sz="4400" kern="1200">
+                <a:solidFill>
+                  <a:schemeClr val="tx1"/>
+                </a:solidFill>
+                <a:latin typeface="+mj-lt"/>
+                <a:ea typeface="+mj-ea"/>
+                <a:cs typeface="+mj-cs"/>
+              </a:defRPr>
+            </a:lvl1pPr>
+          </a:lstStyle>
+          <a:p>
+            <a:pPr algn="ctr"/>
+            <a:r>
+              <a:rPr lang="es-MX" sz="2000" b="1" dirty="0"/>
+              <a:t>INVESTIGACIÓN:</a:t>
+            </a:r>
+          </a:p>
+        </p:txBody>
+      </p:sp>
+      <p:sp>
+        <p:nvSpPr>
+          <p:cNvPr id="13" name="Rectángulo 12">
+            <a:extLst>
+              <a:ext uri="{FF2B5EF4-FFF2-40B4-BE49-F238E27FC236}">
+                <a16:creationId xmlns:a16="http://schemas.microsoft.com/office/drawing/2014/main" id="{722059C9-82BE-9D9F-9855-68A588FE3340}"/>
+              </a:ext>
+            </a:extLst>
+          </p:cNvPr>
+          <p:cNvSpPr/>
+          <p:nvPr/>
+        </p:nvSpPr>
+        <p:spPr>
+          <a:xfrm>
+            <a:off x="4057650" y="3084293"/>
+            <a:ext cx="8134350" cy="316132"/>
+          </a:xfrm>
+          <a:prstGeom prst="rect">
+            <a:avLst/>
+          </a:prstGeom>
+          <a:noFill/>
+          <a:ln w="38100">
+            <a:solidFill>
+              <a:srgbClr val="FF0000"/>
+            </a:solidFill>
+          </a:ln>
+        </p:spPr>
+        <p:style>
+          <a:lnRef idx="2">
+            <a:schemeClr val="accent1">
+              <a:shade val="15000"/>
+            </a:schemeClr>
+          </a:lnRef>
+          <a:fillRef idx="1">
+            <a:schemeClr val="accent1"/>
+          </a:fillRef>
+          <a:effectRef idx="0">
+            <a:schemeClr val="accent1"/>
+          </a:effectRef>
+          <a:fontRef idx="minor">
+            <a:schemeClr val="lt1"/>
+          </a:fontRef>
+        </p:style>
+        <p:txBody>
+          <a:bodyPr rtlCol="0" anchor="ctr"/>
+          <a:lstStyle/>
+          <a:p>
+            <a:pPr algn="ctr"/>
+            <a:endParaRPr lang="es-CR"/>
+          </a:p>
+        </p:txBody>
+      </p:sp>
+    </p:spTree>
+    <p:extLst>
+      <p:ext uri="{BB962C8B-B14F-4D97-AF65-F5344CB8AC3E}">
+        <p14:creationId xmlns:p14="http://schemas.microsoft.com/office/powerpoint/2010/main" val="1441538774"/>
+      </p:ext>
+    </p:extLst>
+  </p:cSld>
+  <p:clrMapOvr>
+    <a:masterClrMapping/>
+  </p:clrMapOvr>
+</p:sld>
+</file>
+
+<file path=ppt/slides/slide17.xml><?xml version="1.0" encoding="utf-8"?>
+<p:sld xmlns:a="http://schemas.openxmlformats.org/drawingml/2006/main" xmlns:r="http://schemas.openxmlformats.org/officeDocument/2006/relationships" xmlns:p="http://schemas.openxmlformats.org/presentationml/2006/main">
+  <p:cSld>
+    <p:spTree>
+      <p:nvGrpSpPr>
+        <p:cNvPr id="1" name="">
+          <a:extLst>
+            <a:ext uri="{FF2B5EF4-FFF2-40B4-BE49-F238E27FC236}">
+              <a16:creationId xmlns:a16="http://schemas.microsoft.com/office/drawing/2014/main" id="{81A3EAEB-BB16-960A-A3BC-051AE80E5E78}"/>
+            </a:ext>
+          </a:extLst>
+        </p:cNvPr>
+        <p:cNvGrpSpPr/>
+        <p:nvPr/>
+      </p:nvGrpSpPr>
+      <p:grpSpPr>
+        <a:xfrm>
+          <a:off x="0" y="0"/>
+          <a:ext cx="0" cy="0"/>
+          <a:chOff x="0" y="0"/>
+          <a:chExt cx="0" cy="0"/>
+        </a:xfrm>
+      </p:grpSpPr>
+      <p:pic>
+        <p:nvPicPr>
+          <p:cNvPr id="7" name="Imagen 6">
+            <a:extLst>
+              <a:ext uri="{FF2B5EF4-FFF2-40B4-BE49-F238E27FC236}">
+                <a16:creationId xmlns:a16="http://schemas.microsoft.com/office/drawing/2014/main" id="{A0D455D0-4118-2288-C934-8732AB130813}"/>
+              </a:ext>
+            </a:extLst>
+          </p:cNvPr>
+          <p:cNvPicPr>
+            <a:picLocks noChangeAspect="1"/>
+          </p:cNvPicPr>
+          <p:nvPr/>
+        </p:nvPicPr>
+        <p:blipFill>
+          <a:blip r:embed="rId2"/>
+          <a:stretch>
+            <a:fillRect/>
+          </a:stretch>
+        </p:blipFill>
+        <p:spPr>
+          <a:xfrm>
+            <a:off x="108149" y="1428750"/>
+            <a:ext cx="3949500" cy="3581400"/>
+          </a:xfrm>
+          <a:prstGeom prst="rect">
+            <a:avLst/>
+          </a:prstGeom>
+        </p:spPr>
+      </p:pic>
+      <p:sp>
+        <p:nvSpPr>
+          <p:cNvPr id="2" name="Título 1">
+            <a:extLst>
+              <a:ext uri="{FF2B5EF4-FFF2-40B4-BE49-F238E27FC236}">
+                <a16:creationId xmlns:a16="http://schemas.microsoft.com/office/drawing/2014/main" id="{E149E80E-56C1-1D3D-7210-3F46E5A4DBDD}"/>
+              </a:ext>
+            </a:extLst>
+          </p:cNvPr>
+          <p:cNvSpPr>
+            <a:spLocks noGrp="1"/>
+          </p:cNvSpPr>
+          <p:nvPr>
+            <p:ph type="title"/>
+          </p:nvPr>
+        </p:nvSpPr>
+        <p:spPr>
+          <a:xfrm>
+            <a:off x="1843251" y="216002"/>
+            <a:ext cx="9359900" cy="1061920"/>
+          </a:xfrm>
+        </p:spPr>
+        <p:txBody>
+          <a:bodyPr>
+            <a:normAutofit/>
+          </a:bodyPr>
+          <a:lstStyle/>
+          <a:p>
+            <a:r>
+              <a:rPr lang="es-MX" dirty="0"/>
+              <a:t>Formulario de Reserva (</a:t>
+            </a:r>
+            <a:r>
+              <a:rPr lang="es-MX" dirty="0" err="1"/>
+              <a:t>Jframe</a:t>
+            </a:r>
+            <a:r>
+              <a:rPr lang="es-MX" dirty="0"/>
+              <a:t>): </a:t>
+            </a:r>
+          </a:p>
+        </p:txBody>
+      </p:sp>
+      <p:sp>
+        <p:nvSpPr>
+          <p:cNvPr id="3" name="Rectángulo 2">
+            <a:extLst>
+              <a:ext uri="{FF2B5EF4-FFF2-40B4-BE49-F238E27FC236}">
+                <a16:creationId xmlns:a16="http://schemas.microsoft.com/office/drawing/2014/main" id="{5A5A0ABB-3037-C8B0-EB7E-945A639CEE1A}"/>
+              </a:ext>
+            </a:extLst>
+          </p:cNvPr>
+          <p:cNvSpPr/>
+          <p:nvPr/>
+        </p:nvSpPr>
+        <p:spPr>
+          <a:xfrm>
+            <a:off x="323409" y="340794"/>
+            <a:ext cx="1422400" cy="721127"/>
+          </a:xfrm>
+          <a:prstGeom prst="rect">
+            <a:avLst/>
+          </a:prstGeom>
+        </p:spPr>
+        <p:style>
+          <a:lnRef idx="2">
+            <a:schemeClr val="accent1">
+              <a:shade val="15000"/>
+            </a:schemeClr>
+          </a:lnRef>
+          <a:fillRef idx="1">
+            <a:schemeClr val="accent1"/>
+          </a:fillRef>
+          <a:effectRef idx="0">
+            <a:schemeClr val="accent1"/>
+          </a:effectRef>
+          <a:fontRef idx="minor">
+            <a:schemeClr val="lt1"/>
+          </a:fontRef>
+        </p:style>
+        <p:txBody>
+          <a:bodyPr rtlCol="0" anchor="ctr"/>
+          <a:lstStyle/>
+          <a:p>
+            <a:pPr algn="ctr"/>
+            <a:r>
+              <a:rPr lang="es-MX" dirty="0"/>
+              <a:t>1-Solicitud de Reserva</a:t>
+            </a:r>
+            <a:endParaRPr lang="es-CR" dirty="0"/>
+          </a:p>
+        </p:txBody>
+      </p:sp>
+      <p:sp>
+        <p:nvSpPr>
+          <p:cNvPr id="4" name="CuadroTexto 3">
+            <a:extLst>
+              <a:ext uri="{FF2B5EF4-FFF2-40B4-BE49-F238E27FC236}">
+                <a16:creationId xmlns:a16="http://schemas.microsoft.com/office/drawing/2014/main" id="{882ED41A-E6DD-E137-3D3F-B43AD57BC34D}"/>
+              </a:ext>
+            </a:extLst>
+          </p:cNvPr>
+          <p:cNvSpPr txBox="1"/>
+          <p:nvPr/>
+        </p:nvSpPr>
+        <p:spPr>
+          <a:xfrm>
+            <a:off x="4600575" y="1892300"/>
+            <a:ext cx="7134665" cy="1477328"/>
+          </a:xfrm>
+          <a:prstGeom prst="rect">
+            <a:avLst/>
+          </a:prstGeom>
+          <a:noFill/>
+        </p:spPr>
+        <p:txBody>
+          <a:bodyPr wrap="square" rtlCol="0">
+            <a:spAutoFit/>
+          </a:bodyPr>
+          <a:lstStyle/>
+          <a:p>
+            <a:r>
+              <a:rPr lang="es-MX" dirty="0"/>
+              <a:t>Una vez tenemos todos los datos del formulario , procedemos a dar clic en el </a:t>
+            </a:r>
+            <a:r>
+              <a:rPr lang="es-MX" dirty="0" err="1"/>
+              <a:t>Jbutton</a:t>
+            </a:r>
+            <a:r>
+              <a:rPr lang="es-MX" dirty="0"/>
+              <a:t> </a:t>
+            </a:r>
+            <a:r>
+              <a:rPr lang="es-MX" dirty="0" err="1"/>
+              <a:t>btnEnviarSolicitud</a:t>
+            </a:r>
+            <a:r>
+              <a:rPr lang="es-MX" dirty="0"/>
+              <a:t>.</a:t>
+            </a:r>
+          </a:p>
+          <a:p>
+            <a:endParaRPr lang="es-MX" dirty="0"/>
+          </a:p>
+          <a:p>
+            <a:r>
+              <a:rPr lang="es-MX" dirty="0"/>
+              <a:t>El código para enviar los datos del formulario a la base de datos se tomó de la documentación de </a:t>
+            </a:r>
+            <a:r>
+              <a:rPr lang="es-MX" dirty="0" err="1"/>
+              <a:t>UCanAccess</a:t>
+            </a:r>
+            <a:r>
+              <a:rPr lang="es-MX" dirty="0"/>
+              <a:t>.</a:t>
+            </a:r>
+          </a:p>
+        </p:txBody>
+      </p:sp>
+      <p:sp>
+        <p:nvSpPr>
+          <p:cNvPr id="12" name="Título 1">
+            <a:extLst>
+              <a:ext uri="{FF2B5EF4-FFF2-40B4-BE49-F238E27FC236}">
+                <a16:creationId xmlns:a16="http://schemas.microsoft.com/office/drawing/2014/main" id="{EC6D84FA-C5C0-35C2-C93F-662162094E16}"/>
+              </a:ext>
+            </a:extLst>
+          </p:cNvPr>
+          <p:cNvSpPr txBox="1">
+            <a:spLocks/>
+          </p:cNvSpPr>
+          <p:nvPr/>
+        </p:nvSpPr>
+        <p:spPr>
+          <a:xfrm>
+            <a:off x="6523201" y="1549380"/>
+            <a:ext cx="2147724" cy="394935"/>
+          </a:xfrm>
+          <a:prstGeom prst="rect">
+            <a:avLst/>
+          </a:prstGeom>
+        </p:spPr>
+        <p:txBody>
+          <a:bodyPr vert="horz" lIns="91440" tIns="45720" rIns="91440" bIns="45720" rtlCol="0" anchor="ctr">
+            <a:normAutofit/>
+          </a:bodyPr>
+          <a:lstStyle>
+            <a:lvl1pPr algn="l" defTabSz="914400" rtl="0" eaLnBrk="1" latinLnBrk="0" hangingPunct="1">
+              <a:lnSpc>
+                <a:spcPct val="90000"/>
+              </a:lnSpc>
+              <a:spcBef>
+                <a:spcPct val="0"/>
+              </a:spcBef>
+              <a:buNone/>
+              <a:defRPr sz="4400" kern="1200">
+                <a:solidFill>
+                  <a:schemeClr val="tx1"/>
+                </a:solidFill>
+                <a:latin typeface="+mj-lt"/>
+                <a:ea typeface="+mj-ea"/>
+                <a:cs typeface="+mj-cs"/>
+              </a:defRPr>
+            </a:lvl1pPr>
+          </a:lstStyle>
+          <a:p>
+            <a:pPr algn="ctr"/>
+            <a:r>
+              <a:rPr lang="es-MX" sz="2000" b="1" dirty="0"/>
+              <a:t>INVESTIGACIÓN:</a:t>
+            </a:r>
+          </a:p>
+        </p:txBody>
+      </p:sp>
+      <p:sp>
+        <p:nvSpPr>
+          <p:cNvPr id="13" name="Rectángulo 12">
+            <a:extLst>
+              <a:ext uri="{FF2B5EF4-FFF2-40B4-BE49-F238E27FC236}">
+                <a16:creationId xmlns:a16="http://schemas.microsoft.com/office/drawing/2014/main" id="{269E467F-4F25-F010-2BDF-85DD6E621429}"/>
+              </a:ext>
+            </a:extLst>
+          </p:cNvPr>
+          <p:cNvSpPr/>
+          <p:nvPr/>
+        </p:nvSpPr>
+        <p:spPr>
+          <a:xfrm>
+            <a:off x="1745809" y="4193386"/>
+            <a:ext cx="1235516" cy="816764"/>
+          </a:xfrm>
+          <a:prstGeom prst="rect">
+            <a:avLst/>
+          </a:prstGeom>
+          <a:noFill/>
+          <a:ln w="38100">
+            <a:solidFill>
+              <a:srgbClr val="FF0000"/>
+            </a:solidFill>
+          </a:ln>
+        </p:spPr>
+        <p:style>
+          <a:lnRef idx="2">
+            <a:schemeClr val="accent1">
+              <a:shade val="15000"/>
+            </a:schemeClr>
+          </a:lnRef>
+          <a:fillRef idx="1">
+            <a:schemeClr val="accent1"/>
+          </a:fillRef>
+          <a:effectRef idx="0">
+            <a:schemeClr val="accent1"/>
+          </a:effectRef>
+          <a:fontRef idx="minor">
+            <a:schemeClr val="lt1"/>
+          </a:fontRef>
+        </p:style>
+        <p:txBody>
+          <a:bodyPr rtlCol="0" anchor="ctr"/>
+          <a:lstStyle/>
+          <a:p>
+            <a:pPr algn="ctr"/>
+            <a:endParaRPr lang="es-CR"/>
+          </a:p>
+        </p:txBody>
+      </p:sp>
+      <p:pic>
+        <p:nvPicPr>
+          <p:cNvPr id="10" name="Imagen 9">
+            <a:extLst>
+              <a:ext uri="{FF2B5EF4-FFF2-40B4-BE49-F238E27FC236}">
+                <a16:creationId xmlns:a16="http://schemas.microsoft.com/office/drawing/2014/main" id="{9FA84F65-8E95-AC97-DC98-0C3A8F76B792}"/>
+              </a:ext>
+            </a:extLst>
+          </p:cNvPr>
+          <p:cNvPicPr>
+            <a:picLocks noChangeAspect="1"/>
+          </p:cNvPicPr>
+          <p:nvPr/>
+        </p:nvPicPr>
+        <p:blipFill>
+          <a:blip r:embed="rId3"/>
+          <a:stretch>
+            <a:fillRect/>
+          </a:stretch>
+        </p:blipFill>
+        <p:spPr>
+          <a:xfrm>
+            <a:off x="4434107" y="4094302"/>
+            <a:ext cx="7467600" cy="1563630"/>
+          </a:xfrm>
+          <a:prstGeom prst="rect">
+            <a:avLst/>
+          </a:prstGeom>
+        </p:spPr>
+      </p:pic>
+    </p:spTree>
+    <p:extLst>
+      <p:ext uri="{BB962C8B-B14F-4D97-AF65-F5344CB8AC3E}">
+        <p14:creationId xmlns:p14="http://schemas.microsoft.com/office/powerpoint/2010/main" val="2173043275"/>
+      </p:ext>
+    </p:extLst>
+  </p:cSld>
+  <p:clrMapOvr>
+    <a:masterClrMapping/>
+  </p:clrMapOvr>
+</p:sld>
+</file>
+
+<file path=ppt/slides/slide18.xml><?xml version="1.0" encoding="utf-8"?>
 <p:sld xmlns:a="http://schemas.openxmlformats.org/drawingml/2006/main" xmlns:r="http://schemas.openxmlformats.org/officeDocument/2006/relationships" xmlns:p="http://schemas.openxmlformats.org/presentationml/2006/main">
   <p:cSld>
     <p:spTree>

--- a/ECOANA.pptx
+++ b/ECOANA.pptx
@@ -4,6 +4,9 @@
   <p:sldMasterIdLst>
     <p:sldMasterId id="2147483648" r:id="rId1"/>
   </p:sldMasterIdLst>
+  <p:notesMasterIdLst>
+    <p:notesMasterId r:id="rId21"/>
+  </p:notesMasterIdLst>
   <p:sldIdLst>
     <p:sldId id="256" r:id="rId2"/>
     <p:sldId id="257" r:id="rId3"/>
@@ -22,7 +25,8 @@
     <p:sldId id="271" r:id="rId16"/>
     <p:sldId id="272" r:id="rId17"/>
     <p:sldId id="273" r:id="rId18"/>
-    <p:sldId id="264" r:id="rId19"/>
+    <p:sldId id="274" r:id="rId19"/>
+    <p:sldId id="264" r:id="rId20"/>
   </p:sldIdLst>
   <p:sldSz cx="12192000" cy="6858000"/>
   <p:notesSz cx="6858000" cy="9144000"/>
@@ -127,6 +131,440 @@
     </p:ext>
   </p:extLst>
 </p:presentation>
+</file>
+
+<file path=ppt/notesMasters/notesMaster1.xml><?xml version="1.0" encoding="utf-8"?>
+<p:notesMaster xmlns:a="http://schemas.openxmlformats.org/drawingml/2006/main" xmlns:r="http://schemas.openxmlformats.org/officeDocument/2006/relationships" xmlns:p="http://schemas.openxmlformats.org/presentationml/2006/main">
+  <p:cSld>
+    <p:bg>
+      <p:bgRef idx="1001">
+        <a:schemeClr val="bg1"/>
+      </p:bgRef>
+    </p:bg>
+    <p:spTree>
+      <p:nvGrpSpPr>
+        <p:cNvPr id="1" name=""/>
+        <p:cNvGrpSpPr/>
+        <p:nvPr/>
+      </p:nvGrpSpPr>
+      <p:grpSpPr>
+        <a:xfrm>
+          <a:off x="0" y="0"/>
+          <a:ext cx="0" cy="0"/>
+          <a:chOff x="0" y="0"/>
+          <a:chExt cx="0" cy="0"/>
+        </a:xfrm>
+      </p:grpSpPr>
+      <p:sp>
+        <p:nvSpPr>
+          <p:cNvPr id="2" name="Marcador de encabezado 1"/>
+          <p:cNvSpPr>
+            <a:spLocks noGrp="1"/>
+          </p:cNvSpPr>
+          <p:nvPr>
+            <p:ph type="hdr" sz="quarter"/>
+          </p:nvPr>
+        </p:nvSpPr>
+        <p:spPr>
+          <a:xfrm>
+            <a:off x="0" y="0"/>
+            <a:ext cx="2971800" cy="458788"/>
+          </a:xfrm>
+          <a:prstGeom prst="rect">
+            <a:avLst/>
+          </a:prstGeom>
+        </p:spPr>
+        <p:txBody>
+          <a:bodyPr vert="horz" lIns="91440" tIns="45720" rIns="91440" bIns="45720" rtlCol="0"/>
+          <a:lstStyle>
+            <a:lvl1pPr algn="l">
+              <a:defRPr sz="1200"/>
+            </a:lvl1pPr>
+          </a:lstStyle>
+          <a:p>
+            <a:endParaRPr lang="es-CR"/>
+          </a:p>
+        </p:txBody>
+      </p:sp>
+      <p:sp>
+        <p:nvSpPr>
+          <p:cNvPr id="3" name="Marcador de fecha 2"/>
+          <p:cNvSpPr>
+            <a:spLocks noGrp="1"/>
+          </p:cNvSpPr>
+          <p:nvPr>
+            <p:ph type="dt" idx="1"/>
+          </p:nvPr>
+        </p:nvSpPr>
+        <p:spPr>
+          <a:xfrm>
+            <a:off x="3884613" y="0"/>
+            <a:ext cx="2971800" cy="458788"/>
+          </a:xfrm>
+          <a:prstGeom prst="rect">
+            <a:avLst/>
+          </a:prstGeom>
+        </p:spPr>
+        <p:txBody>
+          <a:bodyPr vert="horz" lIns="91440" tIns="45720" rIns="91440" bIns="45720" rtlCol="0"/>
+          <a:lstStyle>
+            <a:lvl1pPr algn="r">
+              <a:defRPr sz="1200"/>
+            </a:lvl1pPr>
+          </a:lstStyle>
+          <a:p>
+            <a:fld id="{BF33969D-D799-43BC-B38B-30D85EFD4C23}" type="datetimeFigureOut">
+              <a:rPr lang="es-CR" smtClean="0"/>
+              <a:t>22/4/2025</a:t>
+            </a:fld>
+            <a:endParaRPr lang="es-CR"/>
+          </a:p>
+        </p:txBody>
+      </p:sp>
+      <p:sp>
+        <p:nvSpPr>
+          <p:cNvPr id="4" name="Marcador de imagen de diapositiva 3"/>
+          <p:cNvSpPr>
+            <a:spLocks noGrp="1" noRot="1" noChangeAspect="1"/>
+          </p:cNvSpPr>
+          <p:nvPr>
+            <p:ph type="sldImg" idx="2"/>
+          </p:nvPr>
+        </p:nvSpPr>
+        <p:spPr>
+          <a:xfrm>
+            <a:off x="685800" y="1143000"/>
+            <a:ext cx="5486400" cy="3086100"/>
+          </a:xfrm>
+          <a:prstGeom prst="rect">
+            <a:avLst/>
+          </a:prstGeom>
+          <a:noFill/>
+          <a:ln w="12700">
+            <a:solidFill>
+              <a:prstClr val="black"/>
+            </a:solidFill>
+          </a:ln>
+        </p:spPr>
+        <p:txBody>
+          <a:bodyPr vert="horz" lIns="91440" tIns="45720" rIns="91440" bIns="45720" rtlCol="0" anchor="ctr"/>
+          <a:lstStyle/>
+          <a:p>
+            <a:endParaRPr lang="es-CR"/>
+          </a:p>
+        </p:txBody>
+      </p:sp>
+      <p:sp>
+        <p:nvSpPr>
+          <p:cNvPr id="5" name="Marcador de notas 4"/>
+          <p:cNvSpPr>
+            <a:spLocks noGrp="1"/>
+          </p:cNvSpPr>
+          <p:nvPr>
+            <p:ph type="body" sz="quarter" idx="3"/>
+          </p:nvPr>
+        </p:nvSpPr>
+        <p:spPr>
+          <a:xfrm>
+            <a:off x="685800" y="4400550"/>
+            <a:ext cx="5486400" cy="3600450"/>
+          </a:xfrm>
+          <a:prstGeom prst="rect">
+            <a:avLst/>
+          </a:prstGeom>
+        </p:spPr>
+        <p:txBody>
+          <a:bodyPr vert="horz" lIns="91440" tIns="45720" rIns="91440" bIns="45720" rtlCol="0"/>
+          <a:lstStyle/>
+          <a:p>
+            <a:pPr lvl="0"/>
+            <a:r>
+              <a:rPr lang="es-ES"/>
+              <a:t>Haga clic para modificar los estilos de texto del patrón</a:t>
+            </a:r>
+          </a:p>
+          <a:p>
+            <a:pPr lvl="1"/>
+            <a:r>
+              <a:rPr lang="es-ES"/>
+              <a:t>Segundo nivel</a:t>
+            </a:r>
+          </a:p>
+          <a:p>
+            <a:pPr lvl="2"/>
+            <a:r>
+              <a:rPr lang="es-ES"/>
+              <a:t>Tercer nivel</a:t>
+            </a:r>
+          </a:p>
+          <a:p>
+            <a:pPr lvl="3"/>
+            <a:r>
+              <a:rPr lang="es-ES"/>
+              <a:t>Cuarto nivel</a:t>
+            </a:r>
+          </a:p>
+          <a:p>
+            <a:pPr lvl="4"/>
+            <a:r>
+              <a:rPr lang="es-ES"/>
+              <a:t>Quinto nivel</a:t>
+            </a:r>
+            <a:endParaRPr lang="es-CR"/>
+          </a:p>
+        </p:txBody>
+      </p:sp>
+      <p:sp>
+        <p:nvSpPr>
+          <p:cNvPr id="6" name="Marcador de pie de página 5"/>
+          <p:cNvSpPr>
+            <a:spLocks noGrp="1"/>
+          </p:cNvSpPr>
+          <p:nvPr>
+            <p:ph type="ftr" sz="quarter" idx="4"/>
+          </p:nvPr>
+        </p:nvSpPr>
+        <p:spPr>
+          <a:xfrm>
+            <a:off x="0" y="8685213"/>
+            <a:ext cx="2971800" cy="458787"/>
+          </a:xfrm>
+          <a:prstGeom prst="rect">
+            <a:avLst/>
+          </a:prstGeom>
+        </p:spPr>
+        <p:txBody>
+          <a:bodyPr vert="horz" lIns="91440" tIns="45720" rIns="91440" bIns="45720" rtlCol="0" anchor="b"/>
+          <a:lstStyle>
+            <a:lvl1pPr algn="l">
+              <a:defRPr sz="1200"/>
+            </a:lvl1pPr>
+          </a:lstStyle>
+          <a:p>
+            <a:endParaRPr lang="es-CR"/>
+          </a:p>
+        </p:txBody>
+      </p:sp>
+      <p:sp>
+        <p:nvSpPr>
+          <p:cNvPr id="7" name="Marcador de número de diapositiva 6"/>
+          <p:cNvSpPr>
+            <a:spLocks noGrp="1"/>
+          </p:cNvSpPr>
+          <p:nvPr>
+            <p:ph type="sldNum" sz="quarter" idx="5"/>
+          </p:nvPr>
+        </p:nvSpPr>
+        <p:spPr>
+          <a:xfrm>
+            <a:off x="3884613" y="8685213"/>
+            <a:ext cx="2971800" cy="458787"/>
+          </a:xfrm>
+          <a:prstGeom prst="rect">
+            <a:avLst/>
+          </a:prstGeom>
+        </p:spPr>
+        <p:txBody>
+          <a:bodyPr vert="horz" lIns="91440" tIns="45720" rIns="91440" bIns="45720" rtlCol="0" anchor="b"/>
+          <a:lstStyle>
+            <a:lvl1pPr algn="r">
+              <a:defRPr sz="1200"/>
+            </a:lvl1pPr>
+          </a:lstStyle>
+          <a:p>
+            <a:fld id="{715A7DDD-0861-4AD2-BBD4-DBED2BC0F35D}" type="slidenum">
+              <a:rPr lang="es-CR" smtClean="0"/>
+              <a:t>‹Nº›</a:t>
+            </a:fld>
+            <a:endParaRPr lang="es-CR"/>
+          </a:p>
+        </p:txBody>
+      </p:sp>
+    </p:spTree>
+    <p:extLst>
+      <p:ext uri="{BB962C8B-B14F-4D97-AF65-F5344CB8AC3E}">
+        <p14:creationId xmlns:p14="http://schemas.microsoft.com/office/powerpoint/2010/main" val="89128510"/>
+      </p:ext>
+    </p:extLst>
+  </p:cSld>
+  <p:clrMap bg1="lt1" tx1="dk1" bg2="lt2" tx2="dk2" accent1="accent1" accent2="accent2" accent3="accent3" accent4="accent4" accent5="accent5" accent6="accent6" hlink="hlink" folHlink="folHlink"/>
+  <p:notesStyle>
+    <a:lvl1pPr marL="0" algn="l" defTabSz="914400" rtl="0" eaLnBrk="1" latinLnBrk="0" hangingPunct="1">
+      <a:defRPr sz="1200" kern="1200">
+        <a:solidFill>
+          <a:schemeClr val="tx1"/>
+        </a:solidFill>
+        <a:latin typeface="+mn-lt"/>
+        <a:ea typeface="+mn-ea"/>
+        <a:cs typeface="+mn-cs"/>
+      </a:defRPr>
+    </a:lvl1pPr>
+    <a:lvl2pPr marL="457200" algn="l" defTabSz="914400" rtl="0" eaLnBrk="1" latinLnBrk="0" hangingPunct="1">
+      <a:defRPr sz="1200" kern="1200">
+        <a:solidFill>
+          <a:schemeClr val="tx1"/>
+        </a:solidFill>
+        <a:latin typeface="+mn-lt"/>
+        <a:ea typeface="+mn-ea"/>
+        <a:cs typeface="+mn-cs"/>
+      </a:defRPr>
+    </a:lvl2pPr>
+    <a:lvl3pPr marL="914400" algn="l" defTabSz="914400" rtl="0" eaLnBrk="1" latinLnBrk="0" hangingPunct="1">
+      <a:defRPr sz="1200" kern="1200">
+        <a:solidFill>
+          <a:schemeClr val="tx1"/>
+        </a:solidFill>
+        <a:latin typeface="+mn-lt"/>
+        <a:ea typeface="+mn-ea"/>
+        <a:cs typeface="+mn-cs"/>
+      </a:defRPr>
+    </a:lvl3pPr>
+    <a:lvl4pPr marL="1371600" algn="l" defTabSz="914400" rtl="0" eaLnBrk="1" latinLnBrk="0" hangingPunct="1">
+      <a:defRPr sz="1200" kern="1200">
+        <a:solidFill>
+          <a:schemeClr val="tx1"/>
+        </a:solidFill>
+        <a:latin typeface="+mn-lt"/>
+        <a:ea typeface="+mn-ea"/>
+        <a:cs typeface="+mn-cs"/>
+      </a:defRPr>
+    </a:lvl4pPr>
+    <a:lvl5pPr marL="1828800" algn="l" defTabSz="914400" rtl="0" eaLnBrk="1" latinLnBrk="0" hangingPunct="1">
+      <a:defRPr sz="1200" kern="1200">
+        <a:solidFill>
+          <a:schemeClr val="tx1"/>
+        </a:solidFill>
+        <a:latin typeface="+mn-lt"/>
+        <a:ea typeface="+mn-ea"/>
+        <a:cs typeface="+mn-cs"/>
+      </a:defRPr>
+    </a:lvl5pPr>
+    <a:lvl6pPr marL="2286000" algn="l" defTabSz="914400" rtl="0" eaLnBrk="1" latinLnBrk="0" hangingPunct="1">
+      <a:defRPr sz="1200" kern="1200">
+        <a:solidFill>
+          <a:schemeClr val="tx1"/>
+        </a:solidFill>
+        <a:latin typeface="+mn-lt"/>
+        <a:ea typeface="+mn-ea"/>
+        <a:cs typeface="+mn-cs"/>
+      </a:defRPr>
+    </a:lvl6pPr>
+    <a:lvl7pPr marL="2743200" algn="l" defTabSz="914400" rtl="0" eaLnBrk="1" latinLnBrk="0" hangingPunct="1">
+      <a:defRPr sz="1200" kern="1200">
+        <a:solidFill>
+          <a:schemeClr val="tx1"/>
+        </a:solidFill>
+        <a:latin typeface="+mn-lt"/>
+        <a:ea typeface="+mn-ea"/>
+        <a:cs typeface="+mn-cs"/>
+      </a:defRPr>
+    </a:lvl7pPr>
+    <a:lvl8pPr marL="3200400" algn="l" defTabSz="914400" rtl="0" eaLnBrk="1" latinLnBrk="0" hangingPunct="1">
+      <a:defRPr sz="1200" kern="1200">
+        <a:solidFill>
+          <a:schemeClr val="tx1"/>
+        </a:solidFill>
+        <a:latin typeface="+mn-lt"/>
+        <a:ea typeface="+mn-ea"/>
+        <a:cs typeface="+mn-cs"/>
+      </a:defRPr>
+    </a:lvl8pPr>
+    <a:lvl9pPr marL="3657600" algn="l" defTabSz="914400" rtl="0" eaLnBrk="1" latinLnBrk="0" hangingPunct="1">
+      <a:defRPr sz="1200" kern="1200">
+        <a:solidFill>
+          <a:schemeClr val="tx1"/>
+        </a:solidFill>
+        <a:latin typeface="+mn-lt"/>
+        <a:ea typeface="+mn-ea"/>
+        <a:cs typeface="+mn-cs"/>
+      </a:defRPr>
+    </a:lvl9pPr>
+  </p:notesStyle>
+</p:notesMaster>
+</file>
+
+<file path=ppt/notesSlides/notesSlide1.xml><?xml version="1.0" encoding="utf-8"?>
+<p:notes xmlns:a="http://schemas.openxmlformats.org/drawingml/2006/main" xmlns:r="http://schemas.openxmlformats.org/officeDocument/2006/relationships" xmlns:p="http://schemas.openxmlformats.org/presentationml/2006/main">
+  <p:cSld>
+    <p:spTree>
+      <p:nvGrpSpPr>
+        <p:cNvPr id="1" name=""/>
+        <p:cNvGrpSpPr/>
+        <p:nvPr/>
+      </p:nvGrpSpPr>
+      <p:grpSpPr>
+        <a:xfrm>
+          <a:off x="0" y="0"/>
+          <a:ext cx="0" cy="0"/>
+          <a:chOff x="0" y="0"/>
+          <a:chExt cx="0" cy="0"/>
+        </a:xfrm>
+      </p:grpSpPr>
+      <p:sp>
+        <p:nvSpPr>
+          <p:cNvPr id="2" name="Marcador de imagen de diapositiva 1"/>
+          <p:cNvSpPr>
+            <a:spLocks noGrp="1" noRot="1" noChangeAspect="1"/>
+          </p:cNvSpPr>
+          <p:nvPr>
+            <p:ph type="sldImg"/>
+          </p:nvPr>
+        </p:nvSpPr>
+        <p:spPr/>
+      </p:sp>
+      <p:sp>
+        <p:nvSpPr>
+          <p:cNvPr id="3" name="Marcador de notas 2"/>
+          <p:cNvSpPr>
+            <a:spLocks noGrp="1"/>
+          </p:cNvSpPr>
+          <p:nvPr>
+            <p:ph type="body" idx="1"/>
+          </p:nvPr>
+        </p:nvSpPr>
+        <p:spPr/>
+        <p:txBody>
+          <a:bodyPr/>
+          <a:lstStyle/>
+          <a:p>
+            <a:endParaRPr lang="es-CR" dirty="0"/>
+          </a:p>
+        </p:txBody>
+      </p:sp>
+      <p:sp>
+        <p:nvSpPr>
+          <p:cNvPr id="4" name="Marcador de número de diapositiva 3"/>
+          <p:cNvSpPr>
+            <a:spLocks noGrp="1"/>
+          </p:cNvSpPr>
+          <p:nvPr>
+            <p:ph type="sldNum" sz="quarter" idx="5"/>
+          </p:nvPr>
+        </p:nvSpPr>
+        <p:spPr/>
+        <p:txBody>
+          <a:bodyPr/>
+          <a:lstStyle/>
+          <a:p>
+            <a:fld id="{715A7DDD-0861-4AD2-BBD4-DBED2BC0F35D}" type="slidenum">
+              <a:rPr lang="es-CR" smtClean="0"/>
+              <a:t>17</a:t>
+            </a:fld>
+            <a:endParaRPr lang="es-CR"/>
+          </a:p>
+        </p:txBody>
+      </p:sp>
+    </p:spTree>
+    <p:extLst>
+      <p:ext uri="{BB962C8B-B14F-4D97-AF65-F5344CB8AC3E}">
+        <p14:creationId xmlns:p14="http://schemas.microsoft.com/office/powerpoint/2010/main" val="3723662828"/>
+      </p:ext>
+    </p:extLst>
+  </p:cSld>
+  <p:clrMapOvr>
+    <a:masterClrMapping/>
+  </p:clrMapOvr>
+</p:notes>
 </file>
 
 <file path=ppt/slideLayouts/slideLayout1.xml><?xml version="1.0" encoding="utf-8"?>
@@ -5710,14 +6148,14 @@
           <p:nvPr/>
         </p:nvPicPr>
         <p:blipFill>
-          <a:blip r:embed="rId2"/>
+          <a:blip r:embed="rId3"/>
           <a:stretch>
             <a:fillRect/>
           </a:stretch>
         </p:blipFill>
         <p:spPr>
           <a:xfrm>
-            <a:off x="108149" y="1428750"/>
+            <a:off x="165299" y="1944315"/>
             <a:ext cx="3949500" cy="3581400"/>
           </a:xfrm>
           <a:prstGeom prst="rect">
@@ -5955,7 +6393,7 @@
         </p:nvSpPr>
         <p:spPr>
           <a:xfrm>
-            <a:off x="1745809" y="4193386"/>
+            <a:off x="1745809" y="4692287"/>
             <a:ext cx="1235516" cy="816764"/>
           </a:xfrm>
           <a:prstGeom prst="rect">
@@ -6008,7 +6446,7 @@
           <p:nvPr/>
         </p:nvPicPr>
         <p:blipFill>
-          <a:blip r:embed="rId3"/>
+          <a:blip r:embed="rId4"/>
           <a:stretch>
             <a:fillRect/>
           </a:stretch>
@@ -6023,6 +6461,61 @@
           </a:prstGeom>
         </p:spPr>
       </p:pic>
+      <p:sp>
+        <p:nvSpPr>
+          <p:cNvPr id="11" name="Título 1">
+            <a:extLst>
+              <a:ext uri="{FF2B5EF4-FFF2-40B4-BE49-F238E27FC236}">
+                <a16:creationId xmlns:a16="http://schemas.microsoft.com/office/drawing/2014/main" id="{DEA017DE-A5FD-9202-752D-20E4C35ED6B5}"/>
+              </a:ext>
+            </a:extLst>
+          </p:cNvPr>
+          <p:cNvSpPr txBox="1">
+            <a:spLocks/>
+          </p:cNvSpPr>
+          <p:nvPr/>
+        </p:nvSpPr>
+        <p:spPr>
+          <a:xfrm>
+            <a:off x="4114799" y="6408109"/>
+            <a:ext cx="3252568" cy="394935"/>
+          </a:xfrm>
+          <a:prstGeom prst="rect">
+            <a:avLst/>
+          </a:prstGeom>
+        </p:spPr>
+        <p:txBody>
+          <a:bodyPr vert="horz" lIns="91440" tIns="45720" rIns="91440" bIns="45720" rtlCol="0" anchor="ctr">
+            <a:normAutofit/>
+          </a:bodyPr>
+          <a:lstStyle>
+            <a:lvl1pPr algn="l" defTabSz="914400" rtl="0" eaLnBrk="1" latinLnBrk="0" hangingPunct="1">
+              <a:lnSpc>
+                <a:spcPct val="90000"/>
+              </a:lnSpc>
+              <a:spcBef>
+                <a:spcPct val="0"/>
+              </a:spcBef>
+              <a:buNone/>
+              <a:defRPr sz="4400" kern="1200">
+                <a:solidFill>
+                  <a:schemeClr val="tx1"/>
+                </a:solidFill>
+                <a:latin typeface="+mj-lt"/>
+                <a:ea typeface="+mj-ea"/>
+                <a:cs typeface="+mj-cs"/>
+              </a:defRPr>
+            </a:lvl1pPr>
+          </a:lstStyle>
+          <a:p>
+            <a:pPr algn="ctr"/>
+            <a:r>
+              <a:rPr lang="es-MX" sz="2000" b="1" dirty="0"/>
+              <a:t>Fin de “Solicitud de reserva”</a:t>
+            </a:r>
+          </a:p>
+        </p:txBody>
+      </p:sp>
     </p:spTree>
     <p:extLst>
       <p:ext uri="{BB962C8B-B14F-4D97-AF65-F5344CB8AC3E}">
@@ -6041,6 +6534,542 @@
   <p:cSld>
     <p:spTree>
       <p:nvGrpSpPr>
+        <p:cNvPr id="1" name="">
+          <a:extLst>
+            <a:ext uri="{FF2B5EF4-FFF2-40B4-BE49-F238E27FC236}">
+              <a16:creationId xmlns:a16="http://schemas.microsoft.com/office/drawing/2014/main" id="{FCA3F3C6-D6F3-4A8C-209C-72C40738DA97}"/>
+            </a:ext>
+          </a:extLst>
+        </p:cNvPr>
+        <p:cNvGrpSpPr/>
+        <p:nvPr/>
+      </p:nvGrpSpPr>
+      <p:grpSpPr>
+        <a:xfrm>
+          <a:off x="0" y="0"/>
+          <a:ext cx="0" cy="0"/>
+          <a:chOff x="0" y="0"/>
+          <a:chExt cx="0" cy="0"/>
+        </a:xfrm>
+      </p:grpSpPr>
+      <p:sp>
+        <p:nvSpPr>
+          <p:cNvPr id="2" name="Título 1">
+            <a:extLst>
+              <a:ext uri="{FF2B5EF4-FFF2-40B4-BE49-F238E27FC236}">
+                <a16:creationId xmlns:a16="http://schemas.microsoft.com/office/drawing/2014/main" id="{E2ACC647-9362-BB1F-3E2D-38EB69167608}"/>
+              </a:ext>
+            </a:extLst>
+          </p:cNvPr>
+          <p:cNvSpPr>
+            <a:spLocks noGrp="1"/>
+          </p:cNvSpPr>
+          <p:nvPr>
+            <p:ph type="title"/>
+          </p:nvPr>
+        </p:nvSpPr>
+        <p:spPr>
+          <a:xfrm>
+            <a:off x="838200" y="466725"/>
+            <a:ext cx="10515600" cy="917575"/>
+          </a:xfrm>
+        </p:spPr>
+        <p:txBody>
+          <a:bodyPr/>
+          <a:lstStyle/>
+          <a:p>
+            <a:r>
+              <a:rPr lang="es-MX" dirty="0"/>
+              <a:t>Retos de cada sección de la aplicación:</a:t>
+            </a:r>
+            <a:endParaRPr lang="es-CR" dirty="0"/>
+          </a:p>
+        </p:txBody>
+      </p:sp>
+      <p:sp>
+        <p:nvSpPr>
+          <p:cNvPr id="7" name="Rectángulo 6">
+            <a:extLst>
+              <a:ext uri="{FF2B5EF4-FFF2-40B4-BE49-F238E27FC236}">
+                <a16:creationId xmlns:a16="http://schemas.microsoft.com/office/drawing/2014/main" id="{10D1C4AD-496A-EDB5-7C82-4950AFEFA7B8}"/>
+              </a:ext>
+            </a:extLst>
+          </p:cNvPr>
+          <p:cNvSpPr/>
+          <p:nvPr/>
+        </p:nvSpPr>
+        <p:spPr>
+          <a:xfrm>
+            <a:off x="1066800" y="1841500"/>
+            <a:ext cx="2755900" cy="2946400"/>
+          </a:xfrm>
+          <a:prstGeom prst="rect">
+            <a:avLst/>
+          </a:prstGeom>
+        </p:spPr>
+        <p:style>
+          <a:lnRef idx="2">
+            <a:schemeClr val="accent1">
+              <a:shade val="15000"/>
+            </a:schemeClr>
+          </a:lnRef>
+          <a:fillRef idx="1">
+            <a:schemeClr val="accent1"/>
+          </a:fillRef>
+          <a:effectRef idx="0">
+            <a:schemeClr val="accent1"/>
+          </a:effectRef>
+          <a:fontRef idx="minor">
+            <a:schemeClr val="lt1"/>
+          </a:fontRef>
+        </p:style>
+        <p:txBody>
+          <a:bodyPr rtlCol="0" anchor="ctr"/>
+          <a:lstStyle/>
+          <a:p>
+            <a:pPr algn="ctr"/>
+            <a:r>
+              <a:rPr lang="es-MX" dirty="0"/>
+              <a:t>1-Solicitud de Reserva</a:t>
+            </a:r>
+            <a:endParaRPr lang="es-CR" dirty="0"/>
+          </a:p>
+        </p:txBody>
+      </p:sp>
+      <p:sp>
+        <p:nvSpPr>
+          <p:cNvPr id="8" name="Rectángulo 7">
+            <a:extLst>
+              <a:ext uri="{FF2B5EF4-FFF2-40B4-BE49-F238E27FC236}">
+                <a16:creationId xmlns:a16="http://schemas.microsoft.com/office/drawing/2014/main" id="{E0284FA2-655D-1C14-5783-4FC0FCFA6E2D}"/>
+              </a:ext>
+            </a:extLst>
+          </p:cNvPr>
+          <p:cNvSpPr/>
+          <p:nvPr/>
+        </p:nvSpPr>
+        <p:spPr>
+          <a:xfrm>
+            <a:off x="4552951" y="1841500"/>
+            <a:ext cx="2755900" cy="2946400"/>
+          </a:xfrm>
+          <a:prstGeom prst="rect">
+            <a:avLst/>
+          </a:prstGeom>
+        </p:spPr>
+        <p:style>
+          <a:lnRef idx="2">
+            <a:schemeClr val="accent1">
+              <a:shade val="15000"/>
+            </a:schemeClr>
+          </a:lnRef>
+          <a:fillRef idx="1">
+            <a:schemeClr val="accent1"/>
+          </a:fillRef>
+          <a:effectRef idx="0">
+            <a:schemeClr val="accent1"/>
+          </a:effectRef>
+          <a:fontRef idx="minor">
+            <a:schemeClr val="lt1"/>
+          </a:fontRef>
+        </p:style>
+        <p:txBody>
+          <a:bodyPr rtlCol="0" anchor="ctr"/>
+          <a:lstStyle/>
+          <a:p>
+            <a:pPr algn="ctr"/>
+            <a:r>
+              <a:rPr lang="es-MX" dirty="0"/>
+              <a:t>2-Revisión de Reserva</a:t>
+            </a:r>
+            <a:endParaRPr lang="es-CR" dirty="0"/>
+          </a:p>
+        </p:txBody>
+      </p:sp>
+      <p:sp>
+        <p:nvSpPr>
+          <p:cNvPr id="9" name="Rectángulo 8">
+            <a:extLst>
+              <a:ext uri="{FF2B5EF4-FFF2-40B4-BE49-F238E27FC236}">
+                <a16:creationId xmlns:a16="http://schemas.microsoft.com/office/drawing/2014/main" id="{19EE1C2A-C9E5-1F00-EA0F-CB2894E892D2}"/>
+              </a:ext>
+            </a:extLst>
+          </p:cNvPr>
+          <p:cNvSpPr/>
+          <p:nvPr/>
+        </p:nvSpPr>
+        <p:spPr>
+          <a:xfrm>
+            <a:off x="8039102" y="1841500"/>
+            <a:ext cx="2755900" cy="2946400"/>
+          </a:xfrm>
+          <a:prstGeom prst="rect">
+            <a:avLst/>
+          </a:prstGeom>
+        </p:spPr>
+        <p:style>
+          <a:lnRef idx="2">
+            <a:schemeClr val="accent1">
+              <a:shade val="15000"/>
+            </a:schemeClr>
+          </a:lnRef>
+          <a:fillRef idx="1">
+            <a:schemeClr val="accent1"/>
+          </a:fillRef>
+          <a:effectRef idx="0">
+            <a:schemeClr val="accent1"/>
+          </a:effectRef>
+          <a:fontRef idx="minor">
+            <a:schemeClr val="lt1"/>
+          </a:fontRef>
+        </p:style>
+        <p:txBody>
+          <a:bodyPr rtlCol="0" anchor="ctr"/>
+          <a:lstStyle/>
+          <a:p>
+            <a:pPr algn="ctr"/>
+            <a:r>
+              <a:rPr lang="es-MX" dirty="0"/>
+              <a:t>3-Impresión de Reserva</a:t>
+            </a:r>
+            <a:endParaRPr lang="es-CR" dirty="0"/>
+          </a:p>
+        </p:txBody>
+      </p:sp>
+      <p:sp>
+        <p:nvSpPr>
+          <p:cNvPr id="10" name="Flecha: a la derecha 9">
+            <a:extLst>
+              <a:ext uri="{FF2B5EF4-FFF2-40B4-BE49-F238E27FC236}">
+                <a16:creationId xmlns:a16="http://schemas.microsoft.com/office/drawing/2014/main" id="{D9876D1A-31B0-4571-8AB5-0FC3BF7867CE}"/>
+              </a:ext>
+            </a:extLst>
+          </p:cNvPr>
+          <p:cNvSpPr/>
+          <p:nvPr/>
+        </p:nvSpPr>
+        <p:spPr>
+          <a:xfrm>
+            <a:off x="3921125" y="3072384"/>
+            <a:ext cx="533400" cy="484632"/>
+          </a:xfrm>
+          <a:prstGeom prst="rightArrow">
+            <a:avLst/>
+          </a:prstGeom>
+        </p:spPr>
+        <p:style>
+          <a:lnRef idx="2">
+            <a:schemeClr val="accent1">
+              <a:shade val="15000"/>
+            </a:schemeClr>
+          </a:lnRef>
+          <a:fillRef idx="1">
+            <a:schemeClr val="accent1"/>
+          </a:fillRef>
+          <a:effectRef idx="0">
+            <a:schemeClr val="accent1"/>
+          </a:effectRef>
+          <a:fontRef idx="minor">
+            <a:schemeClr val="lt1"/>
+          </a:fontRef>
+        </p:style>
+        <p:txBody>
+          <a:bodyPr rtlCol="0" anchor="ctr"/>
+          <a:lstStyle/>
+          <a:p>
+            <a:pPr algn="ctr"/>
+            <a:endParaRPr lang="es-CR"/>
+          </a:p>
+        </p:txBody>
+      </p:sp>
+      <p:sp>
+        <p:nvSpPr>
+          <p:cNvPr id="11" name="Flecha: a la derecha 10">
+            <a:extLst>
+              <a:ext uri="{FF2B5EF4-FFF2-40B4-BE49-F238E27FC236}">
+                <a16:creationId xmlns:a16="http://schemas.microsoft.com/office/drawing/2014/main" id="{500C49BB-CB39-EEA8-7D4E-64066F1C8AFD}"/>
+              </a:ext>
+            </a:extLst>
+          </p:cNvPr>
+          <p:cNvSpPr/>
+          <p:nvPr/>
+        </p:nvSpPr>
+        <p:spPr>
+          <a:xfrm>
+            <a:off x="7407276" y="3072384"/>
+            <a:ext cx="533400" cy="484632"/>
+          </a:xfrm>
+          <a:prstGeom prst="rightArrow">
+            <a:avLst/>
+          </a:prstGeom>
+        </p:spPr>
+        <p:style>
+          <a:lnRef idx="2">
+            <a:schemeClr val="accent1">
+              <a:shade val="15000"/>
+            </a:schemeClr>
+          </a:lnRef>
+          <a:fillRef idx="1">
+            <a:schemeClr val="accent1"/>
+          </a:fillRef>
+          <a:effectRef idx="0">
+            <a:schemeClr val="accent1"/>
+          </a:effectRef>
+          <a:fontRef idx="minor">
+            <a:schemeClr val="lt1"/>
+          </a:fontRef>
+        </p:style>
+        <p:txBody>
+          <a:bodyPr rtlCol="0" anchor="ctr"/>
+          <a:lstStyle/>
+          <a:p>
+            <a:pPr algn="ctr"/>
+            <a:endParaRPr lang="es-CR"/>
+          </a:p>
+        </p:txBody>
+      </p:sp>
+      <p:sp>
+        <p:nvSpPr>
+          <p:cNvPr id="12" name="Rectángulo: esquinas superiores cortadas 11">
+            <a:extLst>
+              <a:ext uri="{FF2B5EF4-FFF2-40B4-BE49-F238E27FC236}">
+                <a16:creationId xmlns:a16="http://schemas.microsoft.com/office/drawing/2014/main" id="{14C1A7E0-5F44-511E-BC40-7936925C1B0A}"/>
+              </a:ext>
+            </a:extLst>
+          </p:cNvPr>
+          <p:cNvSpPr/>
+          <p:nvPr/>
+        </p:nvSpPr>
+        <p:spPr>
+          <a:xfrm>
+            <a:off x="1219200" y="4356100"/>
+            <a:ext cx="2451100" cy="1244600"/>
+          </a:xfrm>
+          <a:prstGeom prst="snip2SameRect">
+            <a:avLst/>
+          </a:prstGeom>
+        </p:spPr>
+        <p:style>
+          <a:lnRef idx="2">
+            <a:schemeClr val="accent1">
+              <a:shade val="15000"/>
+            </a:schemeClr>
+          </a:lnRef>
+          <a:fillRef idx="1">
+            <a:schemeClr val="accent1"/>
+          </a:fillRef>
+          <a:effectRef idx="0">
+            <a:schemeClr val="accent1"/>
+          </a:effectRef>
+          <a:fontRef idx="minor">
+            <a:schemeClr val="lt1"/>
+          </a:fontRef>
+        </p:style>
+        <p:txBody>
+          <a:bodyPr rtlCol="0" anchor="ctr"/>
+          <a:lstStyle/>
+          <a:p>
+            <a:r>
+              <a:rPr lang="es-MX" sz="1400" dirty="0"/>
+              <a:t>-Selección de Fechas.</a:t>
+            </a:r>
+          </a:p>
+          <a:p>
+            <a:r>
+              <a:rPr lang="es-CR" sz="1400" dirty="0"/>
+              <a:t>-Conexión con base de datos.</a:t>
+            </a:r>
+          </a:p>
+        </p:txBody>
+      </p:sp>
+      <p:sp>
+        <p:nvSpPr>
+          <p:cNvPr id="14" name="Rectángulo: esquinas superiores cortadas 13">
+            <a:extLst>
+              <a:ext uri="{FF2B5EF4-FFF2-40B4-BE49-F238E27FC236}">
+                <a16:creationId xmlns:a16="http://schemas.microsoft.com/office/drawing/2014/main" id="{1693FA85-FCB5-6C9E-4224-A0ADF0B2E7C7}"/>
+              </a:ext>
+            </a:extLst>
+          </p:cNvPr>
+          <p:cNvSpPr/>
+          <p:nvPr/>
+        </p:nvSpPr>
+        <p:spPr>
+          <a:xfrm>
+            <a:off x="4705351" y="4356100"/>
+            <a:ext cx="2451100" cy="1244600"/>
+          </a:xfrm>
+          <a:prstGeom prst="snip2SameRect">
+            <a:avLst/>
+          </a:prstGeom>
+        </p:spPr>
+        <p:style>
+          <a:lnRef idx="2">
+            <a:schemeClr val="accent1">
+              <a:shade val="15000"/>
+            </a:schemeClr>
+          </a:lnRef>
+          <a:fillRef idx="1">
+            <a:schemeClr val="accent1"/>
+          </a:fillRef>
+          <a:effectRef idx="0">
+            <a:schemeClr val="accent1"/>
+          </a:effectRef>
+          <a:fontRef idx="minor">
+            <a:schemeClr val="lt1"/>
+          </a:fontRef>
+        </p:style>
+        <p:txBody>
+          <a:bodyPr rtlCol="0" anchor="ctr"/>
+          <a:lstStyle/>
+          <a:p>
+            <a:r>
+              <a:rPr lang="es-CR" sz="1400" dirty="0"/>
+              <a:t>-Conexión con base de datos.</a:t>
+            </a:r>
+          </a:p>
+          <a:p>
+            <a:r>
+              <a:rPr lang="es-CR" sz="1400" dirty="0"/>
+              <a:t>-Visualización de los datos.</a:t>
+            </a:r>
+          </a:p>
+          <a:p>
+            <a:r>
+              <a:rPr lang="es-CR" sz="1400" dirty="0"/>
+              <a:t>-Gestión de las reservas.</a:t>
+            </a:r>
+          </a:p>
+        </p:txBody>
+      </p:sp>
+      <p:sp>
+        <p:nvSpPr>
+          <p:cNvPr id="15" name="Rectángulo: esquinas superiores cortadas 14">
+            <a:extLst>
+              <a:ext uri="{FF2B5EF4-FFF2-40B4-BE49-F238E27FC236}">
+                <a16:creationId xmlns:a16="http://schemas.microsoft.com/office/drawing/2014/main" id="{31AADB6C-A68B-7764-37E9-BC790B35FB52}"/>
+              </a:ext>
+            </a:extLst>
+          </p:cNvPr>
+          <p:cNvSpPr/>
+          <p:nvPr/>
+        </p:nvSpPr>
+        <p:spPr>
+          <a:xfrm>
+            <a:off x="8191502" y="4305300"/>
+            <a:ext cx="2451100" cy="1244600"/>
+          </a:xfrm>
+          <a:prstGeom prst="snip2SameRect">
+            <a:avLst/>
+          </a:prstGeom>
+        </p:spPr>
+        <p:style>
+          <a:lnRef idx="2">
+            <a:schemeClr val="accent1">
+              <a:shade val="15000"/>
+            </a:schemeClr>
+          </a:lnRef>
+          <a:fillRef idx="1">
+            <a:schemeClr val="accent1"/>
+          </a:fillRef>
+          <a:effectRef idx="0">
+            <a:schemeClr val="accent1"/>
+          </a:effectRef>
+          <a:fontRef idx="minor">
+            <a:schemeClr val="lt1"/>
+          </a:fontRef>
+        </p:style>
+        <p:txBody>
+          <a:bodyPr rtlCol="0" anchor="ctr"/>
+          <a:lstStyle/>
+          <a:p>
+            <a:r>
+              <a:rPr lang="es-MX" sz="1400" dirty="0"/>
+              <a:t>-Cálculo</a:t>
+            </a:r>
+            <a:r>
+              <a:rPr lang="es-CR" sz="1400" dirty="0"/>
+              <a:t> del monto total. </a:t>
+            </a:r>
+          </a:p>
+          <a:p>
+            <a:r>
+              <a:rPr lang="es-CR" sz="1400" dirty="0"/>
+              <a:t>-Impresión de la reserva. </a:t>
+            </a:r>
+          </a:p>
+        </p:txBody>
+      </p:sp>
+      <p:sp>
+        <p:nvSpPr>
+          <p:cNvPr id="3" name="Rectángulo 2">
+            <a:extLst>
+              <a:ext uri="{FF2B5EF4-FFF2-40B4-BE49-F238E27FC236}">
+                <a16:creationId xmlns:a16="http://schemas.microsoft.com/office/drawing/2014/main" id="{8ED5ABE5-28B9-32A3-4FB9-DDA2C920CC28}"/>
+              </a:ext>
+            </a:extLst>
+          </p:cNvPr>
+          <p:cNvSpPr/>
+          <p:nvPr/>
+        </p:nvSpPr>
+        <p:spPr>
+          <a:xfrm>
+            <a:off x="4394203" y="1578990"/>
+            <a:ext cx="3101972" cy="4231259"/>
+          </a:xfrm>
+          <a:prstGeom prst="rect">
+            <a:avLst/>
+          </a:prstGeom>
+          <a:noFill/>
+          <a:ln w="57150">
+            <a:solidFill>
+              <a:srgbClr val="FF0000"/>
+            </a:solidFill>
+          </a:ln>
+        </p:spPr>
+        <p:style>
+          <a:lnRef idx="2">
+            <a:schemeClr val="accent1">
+              <a:shade val="15000"/>
+            </a:schemeClr>
+          </a:lnRef>
+          <a:fillRef idx="1">
+            <a:schemeClr val="accent1"/>
+          </a:fillRef>
+          <a:effectRef idx="0">
+            <a:schemeClr val="accent1"/>
+          </a:effectRef>
+          <a:fontRef idx="minor">
+            <a:schemeClr val="lt1"/>
+          </a:fontRef>
+        </p:style>
+        <p:txBody>
+          <a:bodyPr rtlCol="0" anchor="ctr"/>
+          <a:lstStyle/>
+          <a:p>
+            <a:pPr algn="ctr"/>
+            <a:endParaRPr lang="es-CR"/>
+          </a:p>
+        </p:txBody>
+      </p:sp>
+    </p:spTree>
+    <p:extLst>
+      <p:ext uri="{BB962C8B-B14F-4D97-AF65-F5344CB8AC3E}">
+        <p14:creationId xmlns:p14="http://schemas.microsoft.com/office/powerpoint/2010/main" val="2123120005"/>
+      </p:ext>
+    </p:extLst>
+  </p:cSld>
+  <p:clrMapOvr>
+    <a:masterClrMapping/>
+  </p:clrMapOvr>
+</p:sld>
+</file>
+
+<file path=ppt/slides/slide19.xml><?xml version="1.0" encoding="utf-8"?>
+<p:sld xmlns:a="http://schemas.openxmlformats.org/drawingml/2006/main" xmlns:r="http://schemas.openxmlformats.org/officeDocument/2006/relationships" xmlns:p="http://schemas.openxmlformats.org/presentationml/2006/main">
+  <p:cSld>
+    <p:spTree>
+      <p:nvGrpSpPr>
         <p:cNvPr id="1" name=""/>
         <p:cNvGrpSpPr/>
         <p:nvPr/>
@@ -6055,10 +7084,10 @@
       </p:grpSpPr>
       <p:sp>
         <p:nvSpPr>
-          <p:cNvPr id="2" name="Título 1">
-            <a:extLst>
-              <a:ext uri="{FF2B5EF4-FFF2-40B4-BE49-F238E27FC236}">
-                <a16:creationId xmlns:a16="http://schemas.microsoft.com/office/drawing/2014/main" id="{A88169ED-6146-B823-6002-2071FE39A4D1}"/>
+          <p:cNvPr id="6" name="Título 1">
+            <a:extLst>
+              <a:ext uri="{FF2B5EF4-FFF2-40B4-BE49-F238E27FC236}">
+                <a16:creationId xmlns:a16="http://schemas.microsoft.com/office/drawing/2014/main" id="{B0637134-1A47-2FB4-07BB-08BD683B3F0D}"/>
               </a:ext>
             </a:extLst>
           </p:cNvPr>
@@ -6069,37 +7098,71 @@
             <p:ph type="title"/>
           </p:nvPr>
         </p:nvSpPr>
-        <p:spPr/>
+        <p:spPr>
+          <a:xfrm>
+            <a:off x="2019300" y="466725"/>
+            <a:ext cx="9334500" cy="917575"/>
+          </a:xfrm>
+        </p:spPr>
         <p:txBody>
           <a:bodyPr/>
           <a:lstStyle/>
           <a:p>
-            <a:endParaRPr lang="es-CR"/>
-          </a:p>
-        </p:txBody>
-      </p:sp>
-      <p:sp>
-        <p:nvSpPr>
-          <p:cNvPr id="3" name="Marcador de contenido 2">
-            <a:extLst>
-              <a:ext uri="{FF2B5EF4-FFF2-40B4-BE49-F238E27FC236}">
-                <a16:creationId xmlns:a16="http://schemas.microsoft.com/office/drawing/2014/main" id="{CB9299B1-FBEB-AB0D-2571-30FBF376A094}"/>
-              </a:ext>
-            </a:extLst>
-          </p:cNvPr>
-          <p:cNvSpPr>
-            <a:spLocks noGrp="1"/>
-          </p:cNvSpPr>
-          <p:nvPr>
-            <p:ph idx="1"/>
-          </p:nvPr>
-        </p:nvSpPr>
-        <p:spPr/>
-        <p:txBody>
-          <a:bodyPr/>
-          <a:lstStyle/>
-          <a:p>
-            <a:endParaRPr lang="es-CR"/>
+            <a:r>
+              <a:rPr lang="es-MX" dirty="0"/>
+              <a:t>Gestión de Reservas:</a:t>
+            </a:r>
+            <a:endParaRPr lang="es-CR" dirty="0"/>
+          </a:p>
+        </p:txBody>
+      </p:sp>
+      <p:sp>
+        <p:nvSpPr>
+          <p:cNvPr id="7" name="Rectángulo 6">
+            <a:extLst>
+              <a:ext uri="{FF2B5EF4-FFF2-40B4-BE49-F238E27FC236}">
+                <a16:creationId xmlns:a16="http://schemas.microsoft.com/office/drawing/2014/main" id="{F45415EE-DBD0-678B-0964-0D4AB89A9FC2}"/>
+              </a:ext>
+            </a:extLst>
+          </p:cNvPr>
+          <p:cNvSpPr/>
+          <p:nvPr/>
+        </p:nvSpPr>
+        <p:spPr>
+          <a:xfrm>
+            <a:off x="123826" y="555625"/>
+            <a:ext cx="1666874" cy="711200"/>
+          </a:xfrm>
+          <a:prstGeom prst="rect">
+            <a:avLst/>
+          </a:prstGeom>
+        </p:spPr>
+        <p:style>
+          <a:lnRef idx="2">
+            <a:schemeClr val="accent1">
+              <a:shade val="15000"/>
+            </a:schemeClr>
+          </a:lnRef>
+          <a:fillRef idx="1">
+            <a:schemeClr val="accent1"/>
+          </a:fillRef>
+          <a:effectRef idx="0">
+            <a:schemeClr val="accent1"/>
+          </a:effectRef>
+          <a:fontRef idx="minor">
+            <a:schemeClr val="lt1"/>
+          </a:fontRef>
+        </p:style>
+        <p:txBody>
+          <a:bodyPr rtlCol="0" anchor="ctr"/>
+          <a:lstStyle/>
+          <a:p>
+            <a:pPr algn="ctr"/>
+            <a:r>
+              <a:rPr lang="es-MX" dirty="0"/>
+              <a:t>2-Revisión de Reserva</a:t>
+            </a:r>
+            <a:endParaRPr lang="es-CR" dirty="0"/>
           </a:p>
         </p:txBody>
       </p:sp>
@@ -7469,6 +8532,58 @@
               <a:rPr lang="es-CR" sz="1400" dirty="0"/>
               <a:t>-Impresión de la reserva. </a:t>
             </a:r>
+          </a:p>
+        </p:txBody>
+      </p:sp>
+      <p:sp>
+        <p:nvSpPr>
+          <p:cNvPr id="3" name="Rectángulo 2">
+            <a:extLst>
+              <a:ext uri="{FF2B5EF4-FFF2-40B4-BE49-F238E27FC236}">
+                <a16:creationId xmlns:a16="http://schemas.microsoft.com/office/drawing/2014/main" id="{24FD85CB-75DE-FBDC-7DC4-37B78D5F992D}"/>
+              </a:ext>
+            </a:extLst>
+          </p:cNvPr>
+          <p:cNvSpPr/>
+          <p:nvPr/>
+        </p:nvSpPr>
+        <p:spPr>
+          <a:xfrm>
+            <a:off x="758825" y="2083815"/>
+            <a:ext cx="3355974" cy="4231259"/>
+          </a:xfrm>
+          <a:prstGeom prst="rect">
+            <a:avLst/>
+          </a:prstGeom>
+          <a:noFill/>
+          <a:ln>
+            <a:solidFill>
+              <a:srgbClr val="FF0000"/>
+            </a:solidFill>
+          </a:ln>
+        </p:spPr>
+        <p:style>
+          <a:lnRef idx="2">
+            <a:schemeClr val="accent1">
+              <a:shade val="15000"/>
+            </a:schemeClr>
+          </a:lnRef>
+          <a:fillRef idx="1">
+            <a:schemeClr val="accent1"/>
+          </a:fillRef>
+          <a:effectRef idx="0">
+            <a:schemeClr val="accent1"/>
+          </a:effectRef>
+          <a:fontRef idx="minor">
+            <a:schemeClr val="lt1"/>
+          </a:fontRef>
+        </p:style>
+        <p:txBody>
+          <a:bodyPr rtlCol="0" anchor="ctr"/>
+          <a:lstStyle/>
+          <a:p>
+            <a:pPr algn="ctr"/>
+            <a:endParaRPr lang="es-CR"/>
           </a:p>
         </p:txBody>
       </p:sp>
@@ -9359,4 +10474,319 @@
     </a:ext>
   </a:extLst>
 </a:theme>
+</file>
+
+<file path=ppt/theme/theme2.xml><?xml version="1.0" encoding="utf-8"?>
+<a:theme xmlns:a="http://schemas.openxmlformats.org/drawingml/2006/main" name="Tema de Office">
+  <a:themeElements>
+    <a:clrScheme name="Office">
+      <a:dk1>
+        <a:sysClr val="windowText" lastClr="000000"/>
+      </a:dk1>
+      <a:lt1>
+        <a:sysClr val="window" lastClr="FFFFFF"/>
+      </a:lt1>
+      <a:dk2>
+        <a:srgbClr val="0E2841"/>
+      </a:dk2>
+      <a:lt2>
+        <a:srgbClr val="E8E8E8"/>
+      </a:lt2>
+      <a:accent1>
+        <a:srgbClr val="156082"/>
+      </a:accent1>
+      <a:accent2>
+        <a:srgbClr val="E97132"/>
+      </a:accent2>
+      <a:accent3>
+        <a:srgbClr val="196B24"/>
+      </a:accent3>
+      <a:accent4>
+        <a:srgbClr val="0F9ED5"/>
+      </a:accent4>
+      <a:accent5>
+        <a:srgbClr val="A02B93"/>
+      </a:accent5>
+      <a:accent6>
+        <a:srgbClr val="4EA72E"/>
+      </a:accent6>
+      <a:hlink>
+        <a:srgbClr val="467886"/>
+      </a:hlink>
+      <a:folHlink>
+        <a:srgbClr val="96607D"/>
+      </a:folHlink>
+    </a:clrScheme>
+    <a:fontScheme name="Office">
+      <a:majorFont>
+        <a:latin typeface="Aptos Display" panose="02110004020202020204"/>
+        <a:ea typeface=""/>
+        <a:cs typeface=""/>
+        <a:font script="Jpan" typeface="游ゴシック Light"/>
+        <a:font script="Hang" typeface="맑은 고딕"/>
+        <a:font script="Hans" typeface="等线 Light"/>
+        <a:font script="Hant" typeface="新細明體"/>
+        <a:font script="Arab" typeface="Times New Roman"/>
+        <a:font script="Hebr" typeface="Times New Roman"/>
+        <a:font script="Thai" typeface="Angsana New"/>
+        <a:font script="Ethi" typeface="Nyala"/>
+        <a:font script="Beng" typeface="Vrinda"/>
+        <a:font script="Gujr" typeface="Shruti"/>
+        <a:font script="Khmr" typeface="MoolBoran"/>
+        <a:font script="Knda" typeface="Tunga"/>
+        <a:font script="Guru" typeface="Raavi"/>
+        <a:font script="Cans" typeface="Euphemia"/>
+        <a:font script="Cher" typeface="Plantagenet Cherokee"/>
+        <a:font script="Yiii" typeface="Microsoft Yi Baiti"/>
+        <a:font script="Tibt" typeface="Microsoft Himalaya"/>
+        <a:font script="Thaa" typeface="MV Boli"/>
+        <a:font script="Deva" typeface="Mangal"/>
+        <a:font script="Telu" typeface="Gautami"/>
+        <a:font script="Taml" typeface="Latha"/>
+        <a:font script="Syrc" typeface="Estrangelo Edessa"/>
+        <a:font script="Orya" typeface="Kalinga"/>
+        <a:font script="Mlym" typeface="Kartika"/>
+        <a:font script="Laoo" typeface="DokChampa"/>
+        <a:font script="Sinh" typeface="Iskoola Pota"/>
+        <a:font script="Mong" typeface="Mongolian Baiti"/>
+        <a:font script="Viet" typeface="Times New Roman"/>
+        <a:font script="Uigh" typeface="Microsoft Uighur"/>
+        <a:font script="Geor" typeface="Sylfaen"/>
+        <a:font script="Armn" typeface="Arial"/>
+        <a:font script="Bugi" typeface="Leelawadee UI"/>
+        <a:font script="Bopo" typeface="Microsoft JhengHei"/>
+        <a:font script="Java" typeface="Javanese Text"/>
+        <a:font script="Lisu" typeface="Segoe UI"/>
+        <a:font script="Mymr" typeface="Myanmar Text"/>
+        <a:font script="Nkoo" typeface="Ebrima"/>
+        <a:font script="Olck" typeface="Nirmala UI"/>
+        <a:font script="Osma" typeface="Ebrima"/>
+        <a:font script="Phag" typeface="Phagspa"/>
+        <a:font script="Syrn" typeface="Estrangelo Edessa"/>
+        <a:font script="Syrj" typeface="Estrangelo Edessa"/>
+        <a:font script="Syre" typeface="Estrangelo Edessa"/>
+        <a:font script="Sora" typeface="Nirmala UI"/>
+        <a:font script="Tale" typeface="Microsoft Tai Le"/>
+        <a:font script="Talu" typeface="Microsoft New Tai Lue"/>
+        <a:font script="Tfng" typeface="Ebrima"/>
+      </a:majorFont>
+      <a:minorFont>
+        <a:latin typeface="Aptos" panose="02110004020202020204"/>
+        <a:ea typeface=""/>
+        <a:cs typeface=""/>
+        <a:font script="Jpan" typeface="游ゴシック"/>
+        <a:font script="Hang" typeface="맑은 고딕"/>
+        <a:font script="Hans" typeface="等线"/>
+        <a:font script="Hant" typeface="新細明體"/>
+        <a:font script="Arab" typeface="Arial"/>
+        <a:font script="Hebr" typeface="Arial"/>
+        <a:font script="Thai" typeface="Cordia New"/>
+        <a:font script="Ethi" typeface="Nyala"/>
+        <a:font script="Beng" typeface="Vrinda"/>
+        <a:font script="Gujr" typeface="Shruti"/>
+        <a:font script="Khmr" typeface="DaunPenh"/>
+        <a:font script="Knda" typeface="Tunga"/>
+        <a:font script="Guru" typeface="Raavi"/>
+        <a:font script="Cans" typeface="Euphemia"/>
+        <a:font script="Cher" typeface="Plantagenet Cherokee"/>
+        <a:font script="Yiii" typeface="Microsoft Yi Baiti"/>
+        <a:font script="Tibt" typeface="Microsoft Himalaya"/>
+        <a:font script="Thaa" typeface="MV Boli"/>
+        <a:font script="Deva" typeface="Mangal"/>
+        <a:font script="Telu" typeface="Gautami"/>
+        <a:font script="Taml" typeface="Latha"/>
+        <a:font script="Syrc" typeface="Estrangelo Edessa"/>
+        <a:font script="Orya" typeface="Kalinga"/>
+        <a:font script="Mlym" typeface="Kartika"/>
+        <a:font script="Laoo" typeface="DokChampa"/>
+        <a:font script="Sinh" typeface="Iskoola Pota"/>
+        <a:font script="Mong" typeface="Mongolian Baiti"/>
+        <a:font script="Viet" typeface="Arial"/>
+        <a:font script="Uigh" typeface="Microsoft Uighur"/>
+        <a:font script="Geor" typeface="Sylfaen"/>
+        <a:font script="Armn" typeface="Arial"/>
+        <a:font script="Bugi" typeface="Leelawadee UI"/>
+        <a:font script="Bopo" typeface="Microsoft JhengHei"/>
+        <a:font script="Java" typeface="Javanese Text"/>
+        <a:font script="Lisu" typeface="Segoe UI"/>
+        <a:font script="Mymr" typeface="Myanmar Text"/>
+        <a:font script="Nkoo" typeface="Ebrima"/>
+        <a:font script="Olck" typeface="Nirmala UI"/>
+        <a:font script="Osma" typeface="Ebrima"/>
+        <a:font script="Phag" typeface="Phagspa"/>
+        <a:font script="Syrn" typeface="Estrangelo Edessa"/>
+        <a:font script="Syrj" typeface="Estrangelo Edessa"/>
+        <a:font script="Syre" typeface="Estrangelo Edessa"/>
+        <a:font script="Sora" typeface="Nirmala UI"/>
+        <a:font script="Tale" typeface="Microsoft Tai Le"/>
+        <a:font script="Talu" typeface="Microsoft New Tai Lue"/>
+        <a:font script="Tfng" typeface="Ebrima"/>
+      </a:minorFont>
+    </a:fontScheme>
+    <a:fmtScheme name="Office">
+      <a:fillStyleLst>
+        <a:solidFill>
+          <a:schemeClr val="phClr"/>
+        </a:solidFill>
+        <a:gradFill rotWithShape="1">
+          <a:gsLst>
+            <a:gs pos="0">
+              <a:schemeClr val="phClr">
+                <a:lumMod val="110000"/>
+                <a:satMod val="105000"/>
+                <a:tint val="67000"/>
+              </a:schemeClr>
+            </a:gs>
+            <a:gs pos="50000">
+              <a:schemeClr val="phClr">
+                <a:lumMod val="105000"/>
+                <a:satMod val="103000"/>
+                <a:tint val="73000"/>
+              </a:schemeClr>
+            </a:gs>
+            <a:gs pos="100000">
+              <a:schemeClr val="phClr">
+                <a:lumMod val="105000"/>
+                <a:satMod val="109000"/>
+                <a:tint val="81000"/>
+              </a:schemeClr>
+            </a:gs>
+          </a:gsLst>
+          <a:lin ang="5400000" scaled="0"/>
+        </a:gradFill>
+        <a:gradFill rotWithShape="1">
+          <a:gsLst>
+            <a:gs pos="0">
+              <a:schemeClr val="phClr">
+                <a:satMod val="103000"/>
+                <a:lumMod val="102000"/>
+                <a:tint val="94000"/>
+              </a:schemeClr>
+            </a:gs>
+            <a:gs pos="50000">
+              <a:schemeClr val="phClr">
+                <a:satMod val="110000"/>
+                <a:lumMod val="100000"/>
+                <a:shade val="100000"/>
+              </a:schemeClr>
+            </a:gs>
+            <a:gs pos="100000">
+              <a:schemeClr val="phClr">
+                <a:lumMod val="99000"/>
+                <a:satMod val="120000"/>
+                <a:shade val="78000"/>
+              </a:schemeClr>
+            </a:gs>
+          </a:gsLst>
+          <a:lin ang="5400000" scaled="0"/>
+        </a:gradFill>
+      </a:fillStyleLst>
+      <a:lnStyleLst>
+        <a:ln w="12700" cap="flat" cmpd="sng" algn="ctr">
+          <a:solidFill>
+            <a:schemeClr val="phClr"/>
+          </a:solidFill>
+          <a:prstDash val="solid"/>
+          <a:miter lim="800000"/>
+        </a:ln>
+        <a:ln w="19050" cap="flat" cmpd="sng" algn="ctr">
+          <a:solidFill>
+            <a:schemeClr val="phClr"/>
+          </a:solidFill>
+          <a:prstDash val="solid"/>
+          <a:miter lim="800000"/>
+        </a:ln>
+        <a:ln w="25400" cap="flat" cmpd="sng" algn="ctr">
+          <a:solidFill>
+            <a:schemeClr val="phClr"/>
+          </a:solidFill>
+          <a:prstDash val="solid"/>
+          <a:miter lim="800000"/>
+        </a:ln>
+      </a:lnStyleLst>
+      <a:effectStyleLst>
+        <a:effectStyle>
+          <a:effectLst/>
+        </a:effectStyle>
+        <a:effectStyle>
+          <a:effectLst/>
+        </a:effectStyle>
+        <a:effectStyle>
+          <a:effectLst>
+            <a:outerShdw blurRad="57150" dist="19050" dir="5400000" algn="ctr" rotWithShape="0">
+              <a:srgbClr val="000000">
+                <a:alpha val="63000"/>
+              </a:srgbClr>
+            </a:outerShdw>
+          </a:effectLst>
+        </a:effectStyle>
+      </a:effectStyleLst>
+      <a:bgFillStyleLst>
+        <a:solidFill>
+          <a:schemeClr val="phClr"/>
+        </a:solidFill>
+        <a:solidFill>
+          <a:schemeClr val="phClr">
+            <a:tint val="95000"/>
+            <a:satMod val="170000"/>
+          </a:schemeClr>
+        </a:solidFill>
+        <a:gradFill rotWithShape="1">
+          <a:gsLst>
+            <a:gs pos="0">
+              <a:schemeClr val="phClr">
+                <a:tint val="93000"/>
+                <a:satMod val="150000"/>
+                <a:shade val="98000"/>
+                <a:lumMod val="102000"/>
+              </a:schemeClr>
+            </a:gs>
+            <a:gs pos="50000">
+              <a:schemeClr val="phClr">
+                <a:tint val="98000"/>
+                <a:satMod val="130000"/>
+                <a:shade val="90000"/>
+                <a:lumMod val="103000"/>
+              </a:schemeClr>
+            </a:gs>
+            <a:gs pos="100000">
+              <a:schemeClr val="phClr">
+                <a:shade val="63000"/>
+                <a:satMod val="120000"/>
+              </a:schemeClr>
+            </a:gs>
+          </a:gsLst>
+          <a:lin ang="5400000" scaled="0"/>
+        </a:gradFill>
+      </a:bgFillStyleLst>
+    </a:fmtScheme>
+  </a:themeElements>
+  <a:objectDefaults>
+    <a:lnDef>
+      <a:spPr/>
+      <a:bodyPr/>
+      <a:lstStyle/>
+      <a:style>
+        <a:lnRef idx="2">
+          <a:schemeClr val="accent1"/>
+        </a:lnRef>
+        <a:fillRef idx="0">
+          <a:schemeClr val="accent1"/>
+        </a:fillRef>
+        <a:effectRef idx="1">
+          <a:schemeClr val="accent1"/>
+        </a:effectRef>
+        <a:fontRef idx="minor">
+          <a:schemeClr val="tx1"/>
+        </a:fontRef>
+      </a:style>
+    </a:lnDef>
+  </a:objectDefaults>
+  <a:extraClrSchemeLst/>
+  <a:extLst>
+    <a:ext uri="{05A4C25C-085E-4340-85A3-A5531E510DB2}">
+      <thm15:themeFamily xmlns:thm15="http://schemas.microsoft.com/office/thememl/2012/main" name="Office Theme" id="{2E142A2C-CD16-42D6-873A-C26D2A0506FA}" vid="{1BDDFF52-6CD6-40A5-AB3C-68EB2F1E4D0A}"/>
+    </a:ext>
+  </a:extLst>
+</a:theme>
 </file>